--- a/lectures/NSP_l3.VSC_git_basics.pptx
+++ b/lectures/NSP_l3.VSC_git_basics.pptx
@@ -27,6 +27,7 @@
     <p:sldId id="274" r:id="rId22"/>
     <p:sldId id="275" r:id="rId23"/>
     <p:sldId id="276" r:id="rId24"/>
+    <p:sldId id="277" r:id="rId25"/>
   </p:sldIdLst>
   <p:sldSz cx="10080625" cy="5670550"/>
   <p:notesSz cx="7559675" cy="10691812"/>
@@ -3277,7 +3278,7 @@
         <p:spPr>
           <a:xfrm>
             <a:off x="504000" y="1283040"/>
-            <a:ext cx="9070560" cy="3374280"/>
+            <a:ext cx="9070200" cy="3373920"/>
           </a:xfrm>
           <a:prstGeom prst="rect">
             <a:avLst/>
@@ -3369,7 +3370,7 @@
         <p:spPr>
           <a:xfrm>
             <a:off x="504000" y="226080"/>
-            <a:ext cx="9070560" cy="945360"/>
+            <a:ext cx="9070200" cy="945000"/>
           </a:xfrm>
           <a:prstGeom prst="rect">
             <a:avLst/>
@@ -3424,7 +3425,7 @@
         <p:spPr>
           <a:xfrm>
             <a:off x="1249920" y="1645920"/>
-            <a:ext cx="7618680" cy="2903760"/>
+            <a:ext cx="7618320" cy="2903400"/>
           </a:xfrm>
           <a:prstGeom prst="rect">
             <a:avLst/>
@@ -3473,7 +3474,7 @@
         <p:spPr>
           <a:xfrm>
             <a:off x="504000" y="226080"/>
-            <a:ext cx="9070560" cy="945360"/>
+            <a:ext cx="9070200" cy="945000"/>
           </a:xfrm>
           <a:prstGeom prst="rect">
             <a:avLst/>
@@ -3500,145 +3501,16 @@
               </a:lnSpc>
             </a:pPr>
             <a:r>
-              <a:rPr b="1" lang="en-US" sz="4400" spc="-1" strike="noStrike">
-                <a:solidFill>
-                  <a:srgbClr val="000000"/>
-                </a:solidFill>
-                <a:latin typeface="Times New Roman"/>
-                <a:ea typeface="DejaVu Sans"/>
-              </a:rPr>
-              <a:t>Установка  Git</a:t>
-            </a:r>
-            <a:endParaRPr b="1" lang="ru-RU" sz="4400" spc="-1" strike="noStrike">
-              <a:latin typeface="Arial"/>
-            </a:endParaRPr>
-          </a:p>
-        </p:txBody>
-      </p:sp>
-      <p:sp>
-        <p:nvSpPr>
-          <p:cNvPr id="99" name="CustomShape 2"/>
-          <p:cNvSpPr/>
-          <p:nvPr/>
-        </p:nvSpPr>
-        <p:spPr>
-          <a:xfrm>
-            <a:off x="504000" y="1326600"/>
-            <a:ext cx="9004680" cy="1872720"/>
-          </a:xfrm>
-          <a:prstGeom prst="rect">
-            <a:avLst/>
-          </a:prstGeom>
-          <a:noFill/>
-          <a:ln w="0">
-            <a:noFill/>
-          </a:ln>
-        </p:spPr>
-        <p:style>
-          <a:lnRef idx="0"/>
-          <a:fillRef idx="0"/>
-          <a:effectRef idx="0"/>
-          <a:fontRef idx="minor"/>
-        </p:style>
-        <p:txBody>
-          <a:bodyPr lIns="0" rIns="0" tIns="0" bIns="0">
-            <a:normAutofit/>
-          </a:bodyPr>
-          <a:p>
-            <a:pPr marL="432000" indent="-322920">
-              <a:lnSpc>
-                <a:spcPct val="150000"/>
-              </a:lnSpc>
-              <a:buClr>
-                <a:srgbClr val="000000"/>
-              </a:buClr>
-              <a:buSzPct val="45000"/>
-              <a:buFont typeface="Wingdings" charset="2"/>
-              <a:buChar char=""/>
-            </a:pPr>
-            <a:r>
-              <a:rPr b="0" lang="ru-RU" sz="2400" spc="-1" strike="noStrike">
-                <a:solidFill>
-                  <a:srgbClr val="000000"/>
-                </a:solidFill>
-                <a:latin typeface="Times New Roman"/>
-                <a:ea typeface="DejaVu Sans"/>
-              </a:rPr>
-              <a:t>Linux: </a:t>
-            </a:r>
-            <a:r>
-              <a:rPr b="0" lang="ru-RU" sz="2400" spc="-1" strike="noStrike">
-                <a:solidFill>
-                  <a:srgbClr val="2a6099"/>
-                </a:solidFill>
-                <a:latin typeface="Linux Libertine Display G"/>
-                <a:ea typeface="DejaVu Sans"/>
-              </a:rPr>
-              <a:t>sudo apt-get install git</a:t>
-            </a:r>
-            <a:endParaRPr b="0" lang="ru-RU" sz="2400" spc="-1" strike="noStrike">
-              <a:latin typeface="Arial"/>
-            </a:endParaRPr>
-          </a:p>
-          <a:p>
-            <a:pPr marL="432000" indent="-322920">
-              <a:lnSpc>
-                <a:spcPct val="150000"/>
-              </a:lnSpc>
-              <a:buClr>
-                <a:srgbClr val="000000"/>
-              </a:buClr>
-              <a:buSzPct val="45000"/>
-              <a:buFont typeface="Wingdings" charset="2"/>
-              <a:buChar char=""/>
-            </a:pPr>
-            <a:r>
-              <a:rPr b="0" lang="ru-RU" sz="2400" spc="-1" strike="noStrike">
-                <a:solidFill>
-                  <a:srgbClr val="000000"/>
-                </a:solidFill>
-                <a:latin typeface="Times New Roman"/>
-                <a:ea typeface="DejaVu Sans"/>
-              </a:rPr>
-              <a:t>OS X:  </a:t>
-            </a:r>
-            <a:r>
-              <a:rPr b="0" lang="ru-RU" sz="2400" spc="-1" strike="noStrike">
-                <a:solidFill>
-                  <a:srgbClr val="2a6099"/>
-                </a:solidFill>
-                <a:latin typeface="Linux Libertine Display G"/>
-                <a:ea typeface="DejaVu Sans"/>
-              </a:rPr>
-              <a:t>brew install git</a:t>
-            </a:r>
-            <a:endParaRPr b="0" lang="ru-RU" sz="2400" spc="-1" strike="noStrike">
-              <a:latin typeface="Arial"/>
-            </a:endParaRPr>
-          </a:p>
-          <a:p>
-            <a:pPr marL="432000" indent="-322920">
-              <a:lnSpc>
-                <a:spcPct val="150000"/>
-              </a:lnSpc>
-              <a:buClr>
-                <a:srgbClr val="000000"/>
-              </a:buClr>
-              <a:buSzPct val="45000"/>
-              <a:buFont typeface="Wingdings" charset="2"/>
-              <a:buChar char=""/>
-            </a:pPr>
-            <a:r>
-              <a:rPr b="0" lang="ru-RU" sz="2400" spc="-1" strike="noStrike">
-                <a:solidFill>
-                  <a:srgbClr val="000000"/>
-                </a:solidFill>
-                <a:latin typeface="Times New Roman"/>
-                <a:ea typeface="DejaVu Sans"/>
-              </a:rPr>
-              <a:t>Windows: https://git-scm.com/downloads</a:t>
-            </a:r>
-            <a:endParaRPr b="0" lang="ru-RU" sz="2400" spc="-1" strike="noStrike">
+              <a:rPr b="0" lang="en-US" sz="4400" spc="-1" strike="noStrike">
+                <a:solidFill>
+                  <a:srgbClr val="000000"/>
+                </a:solidFill>
+                <a:latin typeface="Times New Roman"/>
+                <a:ea typeface="DejaVu Sans"/>
+              </a:rPr>
+              <a:t>Три состояния</a:t>
+            </a:r>
+            <a:endParaRPr b="0" lang="ru-RU" sz="4400" spc="-1" strike="noStrike">
               <a:latin typeface="Arial"/>
             </a:endParaRPr>
           </a:p>
@@ -3646,7 +3518,7 @@
       </p:sp>
       <p:pic>
         <p:nvPicPr>
-          <p:cNvPr id="100" name="" descr=""/>
+          <p:cNvPr id="99" name="" descr=""/>
           <p:cNvPicPr/>
           <p:nvPr/>
         </p:nvPicPr>
@@ -3656,8 +3528,8 @@
         </p:blipFill>
         <p:spPr>
           <a:xfrm>
-            <a:off x="1645920" y="2984760"/>
-            <a:ext cx="6410880" cy="2684160"/>
+            <a:off x="1380240" y="1260000"/>
+            <a:ext cx="7619760" cy="4200120"/>
           </a:xfrm>
           <a:prstGeom prst="rect">
             <a:avLst/>
@@ -3699,14 +3571,14 @@
       </p:grpSpPr>
       <p:sp>
         <p:nvSpPr>
-          <p:cNvPr id="101" name="CustomShape 1"/>
+          <p:cNvPr id="100" name="CustomShape 1"/>
           <p:cNvSpPr/>
           <p:nvPr/>
         </p:nvSpPr>
         <p:spPr>
           <a:xfrm>
             <a:off x="504000" y="226080"/>
-            <a:ext cx="9070560" cy="945360"/>
+            <a:ext cx="9070200" cy="945000"/>
           </a:xfrm>
           <a:prstGeom prst="rect">
             <a:avLst/>
@@ -3733,14 +3605,14 @@
               </a:lnSpc>
             </a:pPr>
             <a:r>
-              <a:rPr b="0" lang="en-US" sz="4400" spc="-1" strike="noStrike">
-                <a:solidFill>
-                  <a:srgbClr val="000000"/>
-                </a:solidFill>
-                <a:latin typeface="Times New Roman"/>
-                <a:ea typeface="DejaVu Sans"/>
-              </a:rPr>
-              <a:t>Настройка Git</a:t>
+              <a:rPr b="1" lang="en-US" sz="4400" spc="-1" strike="noStrike">
+                <a:solidFill>
+                  <a:srgbClr val="000000"/>
+                </a:solidFill>
+                <a:latin typeface="Times New Roman"/>
+                <a:ea typeface="DejaVu Sans"/>
+              </a:rPr>
+              <a:t>Установка  Git</a:t>
             </a:r>
             <a:endParaRPr b="0" lang="ru-RU" sz="4400" spc="-1" strike="noStrike">
               <a:latin typeface="Arial"/>
@@ -3750,14 +3622,14 @@
       </p:sp>
       <p:sp>
         <p:nvSpPr>
-          <p:cNvPr id="102" name="CustomShape 2"/>
+          <p:cNvPr id="101" name="CustomShape 2"/>
           <p:cNvSpPr/>
           <p:nvPr/>
         </p:nvSpPr>
         <p:spPr>
           <a:xfrm>
             <a:off x="504000" y="1326600"/>
-            <a:ext cx="9070560" cy="3287160"/>
+            <a:ext cx="9004320" cy="1872360"/>
           </a:xfrm>
           <a:prstGeom prst="rect">
             <a:avLst/>
@@ -3775,10 +3647,10 @@
         </p:style>
         <p:txBody>
           <a:bodyPr lIns="0" rIns="0" tIns="0" bIns="0">
-            <a:normAutofit fontScale="97000"/>
-          </a:bodyPr>
-          <a:p>
-            <a:pPr marL="432000" indent="-322920">
+            <a:normAutofit/>
+          </a:bodyPr>
+          <a:p>
+            <a:pPr marL="432000" indent="-322560">
               <a:lnSpc>
                 <a:spcPct val="150000"/>
               </a:lnSpc>
@@ -3797,44 +3669,24 @@
                 <a:latin typeface="Times New Roman"/>
                 <a:ea typeface="DejaVu Sans"/>
               </a:rPr>
-              <a:t>Файл </a:t>
+              <a:t>Linux: </a:t>
             </a:r>
             <a:r>
               <a:rPr b="0" lang="ru-RU" sz="2400" spc="-1" strike="noStrike">
                 <a:solidFill>
                   <a:srgbClr val="2a6099"/>
                 </a:solidFill>
-                <a:latin typeface="Times New Roman"/>
-                <a:ea typeface="DejaVu Sans"/>
-              </a:rPr>
-              <a:t>~/.gitconfig </a:t>
-            </a:r>
-            <a:r>
-              <a:rPr b="0" lang="ru-RU" sz="2400" spc="-1" strike="noStrike">
-                <a:solidFill>
-                  <a:srgbClr val="000000"/>
-                </a:solidFill>
-                <a:latin typeface="Times New Roman"/>
-                <a:ea typeface="DejaVu Sans"/>
-              </a:rPr>
-              <a:t>хранит настройки конкретного пользователя. Этот файл использует при указании параметра --</a:t>
-            </a:r>
-            <a:r>
-              <a:rPr b="0" lang="ru-RU" sz="2400" spc="-1" strike="noStrike">
-                <a:solidFill>
-                  <a:srgbClr val="ff0000"/>
-                </a:solidFill>
-                <a:latin typeface="Times New Roman"/>
-                <a:ea typeface="DejaVu Sans"/>
-              </a:rPr>
-              <a:t>global</a:t>
+                <a:latin typeface="Linux Libertine Display G"/>
+                <a:ea typeface="DejaVu Sans"/>
+              </a:rPr>
+              <a:t>sudo apt-get install git</a:t>
             </a:r>
             <a:endParaRPr b="0" lang="ru-RU" sz="2400" spc="-1" strike="noStrike">
               <a:latin typeface="Arial"/>
             </a:endParaRPr>
           </a:p>
           <a:p>
-            <a:pPr marL="432000" indent="-322920">
+            <a:pPr marL="432000" indent="-322560">
               <a:lnSpc>
                 <a:spcPct val="150000"/>
               </a:lnSpc>
@@ -3853,102 +3705,73 @@
                 <a:latin typeface="Times New Roman"/>
                 <a:ea typeface="DejaVu Sans"/>
               </a:rPr>
-              <a:t>Первое, что вам следует сделать после установки Git'а, — указать ваше имя и адрес электронной почты:</a:t>
+              <a:t>OS X:  </a:t>
+            </a:r>
+            <a:r>
+              <a:rPr b="0" lang="ru-RU" sz="2400" spc="-1" strike="noStrike">
+                <a:solidFill>
+                  <a:srgbClr val="2a6099"/>
+                </a:solidFill>
+                <a:latin typeface="Linux Libertine Display G"/>
+                <a:ea typeface="DejaVu Sans"/>
+              </a:rPr>
+              <a:t>brew install git</a:t>
             </a:r>
             <a:endParaRPr b="0" lang="ru-RU" sz="2400" spc="-1" strike="noStrike">
               <a:latin typeface="Arial"/>
             </a:endParaRPr>
           </a:p>
           <a:p>
-            <a:pPr lvl="1" marL="864000" indent="-322920">
+            <a:pPr marL="432000" indent="-322560">
               <a:lnSpc>
                 <a:spcPct val="150000"/>
               </a:lnSpc>
-              <a:spcBef>
-                <a:spcPts val="1134"/>
-              </a:spcBef>
               <a:buClr>
                 <a:srgbClr val="000000"/>
               </a:buClr>
-              <a:buSzPct val="75000"/>
-              <a:buFont typeface="Symbol"/>
-              <a:buChar char=""/>
+              <a:buSzPct val="45000"/>
+              <a:buFont typeface="Wingdings" charset="2"/>
+              <a:buChar char=""/>
             </a:pPr>
             <a:r>
               <a:rPr b="0" lang="ru-RU" sz="2400" spc="-1" strike="noStrike">
                 <a:solidFill>
-                  <a:srgbClr val="2a6099"/>
-                </a:solidFill>
-                <a:latin typeface="Times New Roman"/>
-                <a:ea typeface="DejaVu Sans"/>
-              </a:rPr>
-              <a:t>  </a:t>
-            </a:r>
-            <a:r>
-              <a:rPr b="0" lang="ru-RU" sz="2400" spc="-1" strike="noStrike">
-                <a:solidFill>
-                  <a:srgbClr val="2a6099"/>
-                </a:solidFill>
-                <a:latin typeface="Linux Libertine Display G"/>
-                <a:ea typeface="DejaVu Sans"/>
-              </a:rPr>
-              <a:t>$ git config --global user.name "John Doe" </a:t>
+                  <a:srgbClr val="000000"/>
+                </a:solidFill>
+                <a:latin typeface="Times New Roman"/>
+                <a:ea typeface="DejaVu Sans"/>
+              </a:rPr>
+              <a:t>Windows: https://git-scm.com/downloads</a:t>
             </a:r>
             <a:endParaRPr b="0" lang="ru-RU" sz="2400" spc="-1" strike="noStrike">
               <a:latin typeface="Arial"/>
             </a:endParaRPr>
           </a:p>
-          <a:p>
-            <a:pPr lvl="1" marL="864000" indent="-322920">
-              <a:lnSpc>
-                <a:spcPct val="150000"/>
-              </a:lnSpc>
-              <a:spcBef>
-                <a:spcPts val="1134"/>
-              </a:spcBef>
-              <a:buClr>
-                <a:srgbClr val="000000"/>
-              </a:buClr>
-              <a:buSzPct val="75000"/>
-              <a:buFont typeface="Symbol"/>
-              <a:buChar char=""/>
-            </a:pPr>
-            <a:r>
-              <a:rPr b="0" lang="ru-RU" sz="2400" spc="-1" strike="noStrike">
-                <a:solidFill>
-                  <a:srgbClr val="2a6099"/>
-                </a:solidFill>
-                <a:latin typeface="Times New Roman"/>
-                <a:ea typeface="DejaVu Sans"/>
-              </a:rPr>
-              <a:t>  </a:t>
-            </a:r>
-            <a:r>
-              <a:rPr b="0" lang="ru-RU" sz="2400" spc="-1" strike="noStrike">
-                <a:solidFill>
-                  <a:srgbClr val="2a6099"/>
-                </a:solidFill>
-                <a:latin typeface="Linux Libertine Display G"/>
-                <a:ea typeface="DejaVu Sans"/>
-              </a:rPr>
-              <a:t>$ git config --global user.email johndoe@email.com</a:t>
-            </a:r>
-            <a:endParaRPr b="0" lang="ru-RU" sz="2400" spc="-1" strike="noStrike">
-              <a:latin typeface="Arial"/>
-            </a:endParaRPr>
-          </a:p>
-          <a:p>
-            <a:pPr>
-              <a:lnSpc>
-                <a:spcPct val="150000"/>
-              </a:lnSpc>
-            </a:pPr>
-            <a:endParaRPr b="0" lang="ru-RU" sz="2400" spc="-1" strike="noStrike">
-              <a:latin typeface="Arial"/>
-            </a:endParaRPr>
-          </a:p>
-        </p:txBody>
-      </p:sp>
+        </p:txBody>
+      </p:sp>
+      <p:pic>
+        <p:nvPicPr>
+          <p:cNvPr id="102" name="" descr=""/>
+          <p:cNvPicPr/>
+          <p:nvPr/>
+        </p:nvPicPr>
+        <p:blipFill>
+          <a:blip r:embed="rId1"/>
+          <a:stretch/>
+        </p:blipFill>
+        <p:spPr>
+          <a:xfrm>
+            <a:off x="1645920" y="2984760"/>
+            <a:ext cx="6410520" cy="2683800"/>
+          </a:xfrm>
+          <a:prstGeom prst="rect">
+            <a:avLst/>
+          </a:prstGeom>
+          <a:ln w="0">
+            <a:noFill/>
+          </a:ln>
+        </p:spPr>
+      </p:pic>
     </p:spTree>
   </p:cSld>
   <mc:AlternateContent>
@@ -3988,7 +3811,7 @@
         <p:spPr>
           <a:xfrm>
             <a:off x="504000" y="226080"/>
-            <a:ext cx="9070560" cy="945360"/>
+            <a:ext cx="9070200" cy="945000"/>
           </a:xfrm>
           <a:prstGeom prst="rect">
             <a:avLst/>
@@ -4039,7 +3862,7 @@
         <p:spPr>
           <a:xfrm>
             <a:off x="504000" y="1326600"/>
-            <a:ext cx="9070560" cy="3287160"/>
+            <a:ext cx="9070200" cy="3286800"/>
           </a:xfrm>
           <a:prstGeom prst="rect">
             <a:avLst/>
@@ -4057,16 +3880,13 @@
         </p:style>
         <p:txBody>
           <a:bodyPr lIns="0" rIns="0" tIns="0" bIns="0">
-            <a:normAutofit fontScale="88000"/>
-          </a:bodyPr>
-          <a:p>
-            <a:pPr marL="432000" indent="-322920">
-              <a:lnSpc>
-                <a:spcPct val="100000"/>
-              </a:lnSpc>
-              <a:spcBef>
-                <a:spcPts val="1417"/>
-              </a:spcBef>
+            <a:normAutofit fontScale="97000"/>
+          </a:bodyPr>
+          <a:p>
+            <a:pPr marL="432000" indent="-322560">
+              <a:lnSpc>
+                <a:spcPct val="150000"/>
+              </a:lnSpc>
               <a:buClr>
                 <a:srgbClr val="000000"/>
               </a:buClr>
@@ -4082,16 +3902,72 @@
                 <a:latin typeface="Times New Roman"/>
                 <a:ea typeface="DejaVu Sans"/>
               </a:rPr>
-              <a:t>По умолчанию Git использует стандартный редактор вашей системы, обычно это Vi или Vim. Если вы хотите использовать другой текстовый редактор можно сделать следующее:   </a:t>
+              <a:t>Файл </a:t>
+            </a:r>
+            <a:r>
+              <a:rPr b="0" lang="ru-RU" sz="2400" spc="-1" strike="noStrike">
+                <a:solidFill>
+                  <a:srgbClr val="2a6099"/>
+                </a:solidFill>
+                <a:latin typeface="Times New Roman"/>
+                <a:ea typeface="DejaVu Sans"/>
+              </a:rPr>
+              <a:t>~/.gitconfig </a:t>
+            </a:r>
+            <a:r>
+              <a:rPr b="0" lang="ru-RU" sz="2400" spc="-1" strike="noStrike">
+                <a:solidFill>
+                  <a:srgbClr val="000000"/>
+                </a:solidFill>
+                <a:latin typeface="Times New Roman"/>
+                <a:ea typeface="DejaVu Sans"/>
+              </a:rPr>
+              <a:t>хранит настройки конкретного пользователя. Этот файл использует при указании параметра --</a:t>
+            </a:r>
+            <a:r>
+              <a:rPr b="0" lang="ru-RU" sz="2400" spc="-1" strike="noStrike">
+                <a:solidFill>
+                  <a:srgbClr val="ff0000"/>
+                </a:solidFill>
+                <a:latin typeface="Times New Roman"/>
+                <a:ea typeface="DejaVu Sans"/>
+              </a:rPr>
+              <a:t>global</a:t>
             </a:r>
             <a:endParaRPr b="0" lang="ru-RU" sz="2400" spc="-1" strike="noStrike">
               <a:latin typeface="Arial"/>
             </a:endParaRPr>
           </a:p>
           <a:p>
-            <a:pPr lvl="1" marL="864000" indent="-322920">
-              <a:lnSpc>
-                <a:spcPct val="100000"/>
+            <a:pPr marL="432000" indent="-322560">
+              <a:lnSpc>
+                <a:spcPct val="150000"/>
+              </a:lnSpc>
+              <a:buClr>
+                <a:srgbClr val="000000"/>
+              </a:buClr>
+              <a:buSzPct val="45000"/>
+              <a:buFont typeface="Wingdings" charset="2"/>
+              <a:buChar char=""/>
+            </a:pPr>
+            <a:r>
+              <a:rPr b="0" lang="ru-RU" sz="2400" spc="-1" strike="noStrike">
+                <a:solidFill>
+                  <a:srgbClr val="000000"/>
+                </a:solidFill>
+                <a:latin typeface="Times New Roman"/>
+                <a:ea typeface="DejaVu Sans"/>
+              </a:rPr>
+              <a:t>Первое, что вам следует сделать после установки Git'а, — указать ваше имя и адрес электронной почты:</a:t>
+            </a:r>
+            <a:endParaRPr b="0" lang="ru-RU" sz="2400" spc="-1" strike="noStrike">
+              <a:latin typeface="Arial"/>
+            </a:endParaRPr>
+          </a:p>
+          <a:p>
+            <a:pPr lvl="1" marL="864000" indent="-322560">
+              <a:lnSpc>
+                <a:spcPct val="150000"/>
               </a:lnSpc>
               <a:spcBef>
                 <a:spcPts val="1134"/>
@@ -4108,48 +3984,29 @@
                 <a:solidFill>
                   <a:srgbClr val="2a6099"/>
                 </a:solidFill>
+                <a:latin typeface="Times New Roman"/>
+                <a:ea typeface="DejaVu Sans"/>
+              </a:rPr>
+              <a:t>  </a:t>
+            </a:r>
+            <a:r>
+              <a:rPr b="0" lang="ru-RU" sz="2400" spc="-1" strike="noStrike">
+                <a:solidFill>
+                  <a:srgbClr val="2a6099"/>
+                </a:solidFill>
                 <a:latin typeface="Linux Libertine Display G"/>
                 <a:ea typeface="DejaVu Sans"/>
               </a:rPr>
-              <a:t>$ git config --global core.editor nano</a:t>
+              <a:t>$ git config --global user.name "John Doe" </a:t>
             </a:r>
             <a:endParaRPr b="0" lang="ru-RU" sz="2400" spc="-1" strike="noStrike">
               <a:latin typeface="Arial"/>
             </a:endParaRPr>
           </a:p>
           <a:p>
-            <a:pPr marL="432000" indent="-322920">
-              <a:lnSpc>
-                <a:spcPct val="100000"/>
-              </a:lnSpc>
-              <a:spcBef>
-                <a:spcPts val="1417"/>
-              </a:spcBef>
-              <a:buClr>
-                <a:srgbClr val="000000"/>
-              </a:buClr>
-              <a:buSzPct val="45000"/>
-              <a:buFont typeface="Wingdings" charset="2"/>
-              <a:buChar char=""/>
-            </a:pPr>
-            <a:r>
-              <a:rPr b="0" lang="ru-RU" sz="2400" spc="-1" strike="noStrike">
-                <a:solidFill>
-                  <a:srgbClr val="000000"/>
-                </a:solidFill>
-                <a:latin typeface="Times New Roman"/>
-                <a:ea typeface="DejaVu Sans"/>
-              </a:rPr>
-              <a:t>Проверить используемые настройки, использовать команду: </a:t>
-            </a:r>
-            <a:endParaRPr b="0" lang="ru-RU" sz="2400" spc="-1" strike="noStrike">
-              <a:latin typeface="Arial"/>
-            </a:endParaRPr>
-          </a:p>
-          <a:p>
-            <a:pPr lvl="1" marL="864000" indent="-322920">
-              <a:lnSpc>
-                <a:spcPct val="100000"/>
+            <a:pPr lvl="1" marL="864000" indent="-322560">
+              <a:lnSpc>
+                <a:spcPct val="150000"/>
               </a:lnSpc>
               <a:spcBef>
                 <a:spcPts val="1134"/>
@@ -4166,77 +4023,29 @@
                 <a:solidFill>
                   <a:srgbClr val="2a6099"/>
                 </a:solidFill>
+                <a:latin typeface="Times New Roman"/>
+                <a:ea typeface="DejaVu Sans"/>
+              </a:rPr>
+              <a:t>  </a:t>
+            </a:r>
+            <a:r>
+              <a:rPr b="0" lang="ru-RU" sz="2400" spc="-1" strike="noStrike">
+                <a:solidFill>
+                  <a:srgbClr val="2a6099"/>
+                </a:solidFill>
                 <a:latin typeface="Linux Libertine Display G"/>
                 <a:ea typeface="DejaVu Sans"/>
               </a:rPr>
-              <a:t>$ git config --list --global</a:t>
+              <a:t>$ git config --global user.email johndoe@email.com</a:t>
             </a:r>
             <a:endParaRPr b="0" lang="ru-RU" sz="2400" spc="-1" strike="noStrike">
               <a:latin typeface="Arial"/>
             </a:endParaRPr>
           </a:p>
           <a:p>
-            <a:pPr marL="432000" indent="-322920">
-              <a:lnSpc>
-                <a:spcPct val="100000"/>
-              </a:lnSpc>
-              <a:spcBef>
-                <a:spcPts val="1417"/>
-              </a:spcBef>
-              <a:buClr>
-                <a:srgbClr val="000000"/>
-              </a:buClr>
-              <a:buSzPct val="45000"/>
-              <a:buFont typeface="Wingdings" charset="2"/>
-              <a:buChar char=""/>
-            </a:pPr>
-            <a:r>
-              <a:rPr b="0" lang="ru-RU" sz="2400" spc="-1" strike="noStrike">
-                <a:solidFill>
-                  <a:srgbClr val="000000"/>
-                </a:solidFill>
-                <a:latin typeface="Times New Roman"/>
-                <a:ea typeface="DejaVu Sans"/>
-              </a:rPr>
-              <a:t>Как получить помощь: </a:t>
-            </a:r>
-            <a:endParaRPr b="0" lang="ru-RU" sz="2400" spc="-1" strike="noStrike">
-              <a:latin typeface="Arial"/>
-            </a:endParaRPr>
-          </a:p>
-          <a:p>
-            <a:pPr lvl="1" marL="864000" indent="-322920">
-              <a:lnSpc>
-                <a:spcPct val="100000"/>
-              </a:lnSpc>
-              <a:spcBef>
-                <a:spcPts val="1134"/>
-              </a:spcBef>
-              <a:buClr>
-                <a:srgbClr val="000000"/>
-              </a:buClr>
-              <a:buSzPct val="75000"/>
-              <a:buFont typeface="Symbol"/>
-              <a:buChar char=""/>
-            </a:pPr>
-            <a:r>
-              <a:rPr b="0" lang="ru-RU" sz="2400" spc="-1" strike="noStrike">
-                <a:solidFill>
-                  <a:srgbClr val="2a6099"/>
-                </a:solidFill>
-                <a:latin typeface="Linux Libertine Display G"/>
-                <a:ea typeface="DejaVu Sans"/>
-              </a:rPr>
-              <a:t>$ git help &lt;comand&gt;</a:t>
-            </a:r>
-            <a:endParaRPr b="0" lang="ru-RU" sz="2400" spc="-1" strike="noStrike">
-              <a:latin typeface="Arial"/>
-            </a:endParaRPr>
-          </a:p>
-          <a:p>
             <a:pPr>
               <a:lnSpc>
-                <a:spcPct val="100000"/>
+                <a:spcPct val="150000"/>
               </a:lnSpc>
             </a:pPr>
             <a:endParaRPr b="0" lang="ru-RU" sz="2400" spc="-1" strike="noStrike">
@@ -4284,7 +4093,7 @@
         <p:spPr>
           <a:xfrm>
             <a:off x="504000" y="226080"/>
-            <a:ext cx="9070560" cy="945360"/>
+            <a:ext cx="9070200" cy="945000"/>
           </a:xfrm>
           <a:prstGeom prst="rect">
             <a:avLst/>
@@ -4318,17 +4127,7 @@
                 <a:latin typeface="Times New Roman"/>
                 <a:ea typeface="DejaVu Sans"/>
               </a:rPr>
-              <a:t>Файл </a:t>
-            </a:r>
-            <a:r>
-              <a:rPr b="1" lang="en-US" sz="4400" spc="-1" strike="noStrike">
-                <a:solidFill>
-                  <a:srgbClr val="000000"/>
-                </a:solidFill>
-                <a:latin typeface="Times New Roman"/>
-                <a:ea typeface="DejaVu Sans"/>
-              </a:rPr>
-              <a:t>.gitignor</a:t>
+              <a:t>Настройка Git</a:t>
             </a:r>
             <a:endParaRPr b="0" lang="ru-RU" sz="4400" spc="-1" strike="noStrike">
               <a:latin typeface="Arial"/>
@@ -4345,7 +4144,7 @@
         <p:spPr>
           <a:xfrm>
             <a:off x="504000" y="1326600"/>
-            <a:ext cx="9070560" cy="3701520"/>
+            <a:ext cx="9070200" cy="3286800"/>
           </a:xfrm>
           <a:prstGeom prst="rect">
             <a:avLst/>
@@ -4363,10 +4162,10 @@
         </p:style>
         <p:txBody>
           <a:bodyPr lIns="0" rIns="0" tIns="0" bIns="0">
-            <a:normAutofit fontScale="94000"/>
-          </a:bodyPr>
-          <a:p>
-            <a:pPr marL="432000" indent="-322920">
+            <a:normAutofit fontScale="88000"/>
+          </a:bodyPr>
+          <a:p>
+            <a:pPr marL="432000" indent="-322560">
               <a:lnSpc>
                 <a:spcPct val="100000"/>
               </a:lnSpc>
@@ -4388,54 +4187,14 @@
                 <a:latin typeface="Times New Roman"/>
                 <a:ea typeface="DejaVu Sans"/>
               </a:rPr>
-              <a:t>Зачастую, у вас имеется группа файлов, которые вы не только не хотите автоматически добавлять в репозиторий, но и видеть в списках неотслеживаемых. К таким файлам обычно относятся автоматически генерируемые файлы (различные логи, результаты сборки программ и т.п.). В таком случае, вы можете создать файл </a:t>
-            </a:r>
-            <a:r>
-              <a:rPr b="1" lang="ru-RU" sz="2400" spc="-1" strike="noStrike">
-                <a:solidFill>
-                  <a:srgbClr val="000000"/>
-                </a:solidFill>
-                <a:latin typeface="Times New Roman"/>
-                <a:ea typeface="DejaVu Sans"/>
-              </a:rPr>
-              <a:t>.gitignore</a:t>
-            </a:r>
-            <a:r>
-              <a:rPr b="0" lang="ru-RU" sz="2400" spc="-1" strike="noStrike">
-                <a:solidFill>
-                  <a:srgbClr val="000000"/>
-                </a:solidFill>
-                <a:latin typeface="Times New Roman"/>
-                <a:ea typeface="DejaVu Sans"/>
-              </a:rPr>
-              <a:t> с перечислением шаблонов соответствующих таким файлам. Вот пример файла </a:t>
-            </a:r>
-            <a:r>
-              <a:rPr b="1" lang="ru-RU" sz="2400" spc="-1" strike="noStrike">
-                <a:solidFill>
-                  <a:srgbClr val="000000"/>
-                </a:solidFill>
-                <a:latin typeface="Times New Roman"/>
-                <a:ea typeface="DejaVu Sans"/>
-              </a:rPr>
-              <a:t>.gitignore</a:t>
-            </a:r>
-            <a:r>
-              <a:rPr b="0" lang="ru-RU" sz="2400" spc="-1" strike="noStrike">
-                <a:solidFill>
-                  <a:srgbClr val="000000"/>
-                </a:solidFill>
-                <a:latin typeface="Times New Roman"/>
-                <a:ea typeface="DejaVu Sans"/>
-              </a:rPr>
-              <a:t>:</a:t>
+              <a:t>По умолчанию Git использует стандартный редактор вашей системы, обычно это Vi или Vim. Если вы хотите использовать другой текстовый редактор можно сделать следующее:   </a:t>
             </a:r>
             <a:endParaRPr b="0" lang="ru-RU" sz="2400" spc="-1" strike="noStrike">
               <a:latin typeface="Arial"/>
             </a:endParaRPr>
           </a:p>
           <a:p>
-            <a:pPr lvl="1" marL="864000" indent="-322920">
+            <a:pPr lvl="1" marL="864000" indent="-322560">
               <a:lnSpc>
                 <a:spcPct val="100000"/>
               </a:lnSpc>
@@ -4457,14 +4216,43 @@
                 <a:latin typeface="Linux Libertine Display G"/>
                 <a:ea typeface="DejaVu Sans"/>
               </a:rPr>
-              <a:t>$ cat .gitignore</a:t>
+              <a:t>$ git config --global core.editor nano</a:t>
             </a:r>
             <a:endParaRPr b="0" lang="ru-RU" sz="2400" spc="-1" strike="noStrike">
               <a:latin typeface="Arial"/>
             </a:endParaRPr>
           </a:p>
           <a:p>
-            <a:pPr lvl="1" marL="864000" indent="-322920">
+            <a:pPr marL="432000" indent="-322560">
+              <a:lnSpc>
+                <a:spcPct val="100000"/>
+              </a:lnSpc>
+              <a:spcBef>
+                <a:spcPts val="1417"/>
+              </a:spcBef>
+              <a:buClr>
+                <a:srgbClr val="000000"/>
+              </a:buClr>
+              <a:buSzPct val="45000"/>
+              <a:buFont typeface="Wingdings" charset="2"/>
+              <a:buChar char=""/>
+            </a:pPr>
+            <a:r>
+              <a:rPr b="0" lang="ru-RU" sz="2400" spc="-1" strike="noStrike">
+                <a:solidFill>
+                  <a:srgbClr val="000000"/>
+                </a:solidFill>
+                <a:latin typeface="Times New Roman"/>
+                <a:ea typeface="DejaVu Sans"/>
+              </a:rPr>
+              <a:t>Проверить используемые настройки, использовать команду: </a:t>
+            </a:r>
+            <a:endParaRPr b="0" lang="ru-RU" sz="2400" spc="-1" strike="noStrike">
+              <a:latin typeface="Arial"/>
+            </a:endParaRPr>
+          </a:p>
+          <a:p>
+            <a:pPr lvl="1" marL="864000" indent="-322560">
               <a:lnSpc>
                 <a:spcPct val="100000"/>
               </a:lnSpc>
@@ -4486,14 +4274,43 @@
                 <a:latin typeface="Linux Libertine Display G"/>
                 <a:ea typeface="DejaVu Sans"/>
               </a:rPr>
-              <a:t>*.[oa]</a:t>
+              <a:t>$ git config --list --global</a:t>
             </a:r>
             <a:endParaRPr b="0" lang="ru-RU" sz="2400" spc="-1" strike="noStrike">
               <a:latin typeface="Arial"/>
             </a:endParaRPr>
           </a:p>
           <a:p>
-            <a:pPr lvl="1" marL="864000" indent="-322920">
+            <a:pPr marL="432000" indent="-322560">
+              <a:lnSpc>
+                <a:spcPct val="100000"/>
+              </a:lnSpc>
+              <a:spcBef>
+                <a:spcPts val="1417"/>
+              </a:spcBef>
+              <a:buClr>
+                <a:srgbClr val="000000"/>
+              </a:buClr>
+              <a:buSzPct val="45000"/>
+              <a:buFont typeface="Wingdings" charset="2"/>
+              <a:buChar char=""/>
+            </a:pPr>
+            <a:r>
+              <a:rPr b="0" lang="ru-RU" sz="2400" spc="-1" strike="noStrike">
+                <a:solidFill>
+                  <a:srgbClr val="000000"/>
+                </a:solidFill>
+                <a:latin typeface="Times New Roman"/>
+                <a:ea typeface="DejaVu Sans"/>
+              </a:rPr>
+              <a:t>Как получить помощь: </a:t>
+            </a:r>
+            <a:endParaRPr b="0" lang="ru-RU" sz="2400" spc="-1" strike="noStrike">
+              <a:latin typeface="Arial"/>
+            </a:endParaRPr>
+          </a:p>
+          <a:p>
+            <a:pPr lvl="1" marL="864000" indent="-322560">
               <a:lnSpc>
                 <a:spcPct val="100000"/>
               </a:lnSpc>
@@ -4515,8 +4332,18 @@
                 <a:latin typeface="Linux Libertine Display G"/>
                 <a:ea typeface="DejaVu Sans"/>
               </a:rPr>
-              <a:t>*~</a:t>
-            </a:r>
+              <a:t>$ git help &lt;comand&gt;</a:t>
+            </a:r>
+            <a:endParaRPr b="0" lang="ru-RU" sz="2400" spc="-1" strike="noStrike">
+              <a:latin typeface="Arial"/>
+            </a:endParaRPr>
+          </a:p>
+          <a:p>
+            <a:pPr>
+              <a:lnSpc>
+                <a:spcPct val="100000"/>
+              </a:lnSpc>
+            </a:pPr>
             <a:endParaRPr b="0" lang="ru-RU" sz="2400" spc="-1" strike="noStrike">
               <a:latin typeface="Arial"/>
             </a:endParaRPr>
@@ -4562,7 +4389,7 @@
         <p:spPr>
           <a:xfrm>
             <a:off x="504000" y="226080"/>
-            <a:ext cx="9070560" cy="945360"/>
+            <a:ext cx="9070200" cy="945000"/>
           </a:xfrm>
           <a:prstGeom prst="rect">
             <a:avLst/>
@@ -4596,7 +4423,17 @@
                 <a:latin typeface="Times New Roman"/>
                 <a:ea typeface="DejaVu Sans"/>
               </a:rPr>
-              <a:t>Работа с удаленным репозиторием </a:t>
+              <a:t>Файл </a:t>
+            </a:r>
+            <a:r>
+              <a:rPr b="1" lang="en-US" sz="4400" spc="-1" strike="noStrike">
+                <a:solidFill>
+                  <a:srgbClr val="000000"/>
+                </a:solidFill>
+                <a:latin typeface="Times New Roman"/>
+                <a:ea typeface="DejaVu Sans"/>
+              </a:rPr>
+              <a:t>.gitignor</a:t>
             </a:r>
             <a:endParaRPr b="0" lang="ru-RU" sz="4400" spc="-1" strike="noStrike">
               <a:latin typeface="Arial"/>
@@ -4612,8 +4449,8 @@
         </p:nvSpPr>
         <p:spPr>
           <a:xfrm>
-            <a:off x="731520" y="1558080"/>
-            <a:ext cx="8960040" cy="3287160"/>
+            <a:off x="504000" y="1326600"/>
+            <a:ext cx="9070200" cy="3701160"/>
           </a:xfrm>
           <a:prstGeom prst="rect">
             <a:avLst/>
@@ -4631,10 +4468,10 @@
         </p:style>
         <p:txBody>
           <a:bodyPr lIns="0" rIns="0" tIns="0" bIns="0">
-            <a:normAutofit/>
-          </a:bodyPr>
-          <a:p>
-            <a:pPr marL="432000" indent="-322920">
+            <a:normAutofit fontScale="94000"/>
+          </a:bodyPr>
+          <a:p>
+            <a:pPr marL="432000" indent="-322560">
               <a:lnSpc>
                 <a:spcPct val="100000"/>
               </a:lnSpc>
@@ -4656,17 +4493,37 @@
                 <a:latin typeface="Times New Roman"/>
                 <a:ea typeface="DejaVu Sans"/>
               </a:rPr>
-              <a:t>Команда </a:t>
+              <a:t>Зачастую, у вас имеется группа файлов, которые вы не только не хотите автоматически добавлять в репозиторий, но и видеть в списках неотслеживаемых. К таким файлам обычно относятся автоматически генерируемые файлы (различные логи, результаты сборки программ и т.п.). В таком случае, вы можете создать файл </a:t>
+            </a:r>
+            <a:r>
+              <a:rPr b="1" lang="ru-RU" sz="2400" spc="-1" strike="noStrike">
+                <a:solidFill>
+                  <a:srgbClr val="000000"/>
+                </a:solidFill>
+                <a:latin typeface="Times New Roman"/>
+                <a:ea typeface="DejaVu Sans"/>
+              </a:rPr>
+              <a:t>.gitignore</a:t>
             </a:r>
             <a:r>
               <a:rPr b="0" lang="ru-RU" sz="2400" spc="-1" strike="noStrike">
                 <a:solidFill>
-                  <a:srgbClr val="2a6099"/>
-                </a:solidFill>
-                <a:latin typeface="Times New Roman"/>
-                <a:ea typeface="DejaVu Sans"/>
-              </a:rPr>
-              <a:t>clone</a:t>
+                  <a:srgbClr val="000000"/>
+                </a:solidFill>
+                <a:latin typeface="Times New Roman"/>
+                <a:ea typeface="DejaVu Sans"/>
+              </a:rPr>
+              <a:t> с перечислением шаблонов соответствующих таким файлам. Вот пример файла </a:t>
+            </a:r>
+            <a:r>
+              <a:rPr b="1" lang="ru-RU" sz="2400" spc="-1" strike="noStrike">
+                <a:solidFill>
+                  <a:srgbClr val="000000"/>
+                </a:solidFill>
+                <a:latin typeface="Times New Roman"/>
+                <a:ea typeface="DejaVu Sans"/>
+              </a:rPr>
+              <a:t>.gitignore</a:t>
             </a:r>
             <a:r>
               <a:rPr b="0" lang="ru-RU" sz="2400" spc="-1" strike="noStrike">
@@ -4676,224 +4533,94 @@
                 <a:latin typeface="Times New Roman"/>
                 <a:ea typeface="DejaVu Sans"/>
               </a:rPr>
-              <a:t> клонирует </a:t>
-            </a:r>
-            <a:r>
-              <a:rPr b="1" lang="ru-RU" sz="2400" spc="-1" strike="noStrike">
-                <a:solidFill>
-                  <a:srgbClr val="000000"/>
-                </a:solidFill>
-                <a:latin typeface="Times New Roman"/>
-                <a:ea typeface="DejaVu Sans"/>
-              </a:rPr>
-              <a:t>репозиторий</a:t>
-            </a:r>
-            <a:r>
-              <a:rPr b="0" lang="ru-RU" sz="2400" spc="-1" strike="noStrike">
-                <a:solidFill>
-                  <a:srgbClr val="000000"/>
-                </a:solidFill>
-                <a:latin typeface="Times New Roman"/>
-                <a:ea typeface="DejaVu Sans"/>
-              </a:rPr>
-              <a:t> и создаёт рабочую копию</a:t>
+              <a:t>:</a:t>
             </a:r>
             <a:endParaRPr b="0" lang="ru-RU" sz="2400" spc="-1" strike="noStrike">
               <a:latin typeface="Arial"/>
             </a:endParaRPr>
           </a:p>
           <a:p>
-            <a:pPr marL="432000" indent="-322920">
+            <a:pPr lvl="1" marL="864000" indent="-322560">
               <a:lnSpc>
                 <a:spcPct val="100000"/>
               </a:lnSpc>
               <a:spcBef>
-                <a:spcPts val="1417"/>
+                <a:spcPts val="1134"/>
               </a:spcBef>
               <a:buClr>
                 <a:srgbClr val="000000"/>
               </a:buClr>
-              <a:buSzPct val="45000"/>
-              <a:buFont typeface="Wingdings" charset="2"/>
-              <a:buChar char=""/>
+              <a:buSzPct val="75000"/>
+              <a:buFont typeface="Symbol"/>
+              <a:buChar char=""/>
             </a:pPr>
             <a:r>
               <a:rPr b="0" lang="ru-RU" sz="2400" spc="-1" strike="noStrike">
                 <a:solidFill>
-                  <a:srgbClr val="000000"/>
-                </a:solidFill>
-                <a:latin typeface="Times New Roman"/>
-                <a:ea typeface="DejaVu Sans"/>
-              </a:rPr>
-              <a:t>Команда </a:t>
-            </a:r>
-            <a:r>
-              <a:rPr b="0" lang="ru-RU" sz="2400" spc="-1" strike="noStrike">
-                <a:solidFill>
                   <a:srgbClr val="2a6099"/>
                 </a:solidFill>
-                <a:latin typeface="Times New Roman"/>
-                <a:ea typeface="DejaVu Sans"/>
-              </a:rPr>
-              <a:t>push</a:t>
-            </a:r>
-            <a:r>
-              <a:rPr b="0" lang="ru-RU" sz="2400" spc="-1" strike="noStrike">
-                <a:solidFill>
-                  <a:srgbClr val="000000"/>
-                </a:solidFill>
-                <a:latin typeface="Times New Roman"/>
-                <a:ea typeface="DejaVu Sans"/>
-              </a:rPr>
-              <a:t> отправляет изменения в удаленный </a:t>
-            </a:r>
-            <a:r>
-              <a:rPr b="1" lang="ru-RU" sz="2400" spc="-1" strike="noStrike">
-                <a:solidFill>
-                  <a:srgbClr val="000000"/>
-                </a:solidFill>
-                <a:latin typeface="Times New Roman"/>
-                <a:ea typeface="DejaVu Sans"/>
-              </a:rPr>
-              <a:t>репозиторий</a:t>
+                <a:latin typeface="Linux Libertine Display G"/>
+                <a:ea typeface="DejaVu Sans"/>
+              </a:rPr>
+              <a:t>$ cat .gitignore</a:t>
             </a:r>
             <a:endParaRPr b="0" lang="ru-RU" sz="2400" spc="-1" strike="noStrike">
               <a:latin typeface="Arial"/>
             </a:endParaRPr>
           </a:p>
           <a:p>
-            <a:pPr marL="432000" indent="-322920">
+            <a:pPr lvl="1" marL="864000" indent="-322560">
               <a:lnSpc>
                 <a:spcPct val="100000"/>
               </a:lnSpc>
               <a:spcBef>
-                <a:spcPts val="1417"/>
+                <a:spcPts val="1134"/>
               </a:spcBef>
               <a:buClr>
                 <a:srgbClr val="000000"/>
               </a:buClr>
-              <a:buSzPct val="45000"/>
-              <a:buFont typeface="Wingdings" charset="2"/>
-              <a:buChar char=""/>
+              <a:buSzPct val="75000"/>
+              <a:buFont typeface="Symbol"/>
+              <a:buChar char=""/>
             </a:pPr>
             <a:r>
               <a:rPr b="0" lang="ru-RU" sz="2400" spc="-1" strike="noStrike">
                 <a:solidFill>
-                  <a:srgbClr val="000000"/>
-                </a:solidFill>
-                <a:latin typeface="Times New Roman"/>
-                <a:ea typeface="DejaVu Sans"/>
-              </a:rPr>
-              <a:t>Команда </a:t>
-            </a:r>
-            <a:r>
-              <a:rPr b="0" lang="ru-RU" sz="2400" spc="-1" strike="noStrike">
-                <a:solidFill>
                   <a:srgbClr val="2a6099"/>
                 </a:solidFill>
-                <a:latin typeface="Times New Roman"/>
-                <a:ea typeface="DejaVu Sans"/>
-              </a:rPr>
-              <a:t>pull</a:t>
-            </a:r>
-            <a:r>
-              <a:rPr b="0" lang="ru-RU" sz="2400" spc="-1" strike="noStrike">
-                <a:solidFill>
-                  <a:srgbClr val="000000"/>
-                </a:solidFill>
-                <a:latin typeface="Times New Roman"/>
-                <a:ea typeface="DejaVu Sans"/>
-              </a:rPr>
-              <a:t> забирает изменения указанной ветки из удаленного </a:t>
-            </a:r>
-            <a:r>
-              <a:rPr b="1" lang="ru-RU" sz="2400" spc="-1" strike="noStrike">
-                <a:solidFill>
-                  <a:srgbClr val="000000"/>
-                </a:solidFill>
-                <a:latin typeface="Times New Roman"/>
-                <a:ea typeface="DejaVu Sans"/>
-              </a:rPr>
-              <a:t>репозитория</a:t>
-            </a:r>
-            <a:r>
-              <a:rPr b="0" lang="ru-RU" sz="2400" spc="-1" strike="noStrike">
-                <a:solidFill>
-                  <a:srgbClr val="000000"/>
-                </a:solidFill>
-                <a:latin typeface="Times New Roman"/>
-                <a:ea typeface="DejaVu Sans"/>
-              </a:rPr>
-              <a:t> и сливает их в текущую ветку</a:t>
+                <a:latin typeface="Linux Libertine Display G"/>
+                <a:ea typeface="DejaVu Sans"/>
+              </a:rPr>
+              <a:t>*.[oa]</a:t>
             </a:r>
             <a:endParaRPr b="0" lang="ru-RU" sz="2400" spc="-1" strike="noStrike">
               <a:latin typeface="Arial"/>
             </a:endParaRPr>
           </a:p>
           <a:p>
-            <a:pPr marL="432000" indent="-322920">
+            <a:pPr lvl="1" marL="864000" indent="-322560">
               <a:lnSpc>
                 <a:spcPct val="100000"/>
               </a:lnSpc>
               <a:spcBef>
-                <a:spcPts val="1417"/>
+                <a:spcPts val="1134"/>
               </a:spcBef>
               <a:buClr>
                 <a:srgbClr val="000000"/>
               </a:buClr>
-              <a:buSzPct val="45000"/>
-              <a:buFont typeface="Wingdings" charset="2"/>
-              <a:buChar char=""/>
+              <a:buSzPct val="75000"/>
+              <a:buFont typeface="Symbol"/>
+              <a:buChar char=""/>
             </a:pPr>
             <a:r>
               <a:rPr b="0" lang="ru-RU" sz="2400" spc="-1" strike="noStrike">
                 <a:solidFill>
-                  <a:srgbClr val="000000"/>
-                </a:solidFill>
-                <a:latin typeface="Times New Roman"/>
-                <a:ea typeface="DejaVu Sans"/>
-              </a:rPr>
-              <a:t>Команда </a:t>
-            </a:r>
-            <a:r>
-              <a:rPr b="0" lang="ru-RU" sz="2400" spc="-1" strike="noStrike">
-                <a:solidFill>
                   <a:srgbClr val="2a6099"/>
                 </a:solidFill>
-                <a:latin typeface="Times New Roman"/>
-                <a:ea typeface="DejaVu Sans"/>
-              </a:rPr>
-              <a:t>fetch</a:t>
-            </a:r>
-            <a:r>
-              <a:rPr b="0" lang="ru-RU" sz="2400" spc="-1" strike="noStrike">
-                <a:solidFill>
-                  <a:srgbClr val="000000"/>
-                </a:solidFill>
-                <a:latin typeface="Times New Roman"/>
-                <a:ea typeface="DejaVu Sans"/>
-              </a:rPr>
-              <a:t> забирает все изменения из удаленного </a:t>
-            </a:r>
-            <a:r>
-              <a:rPr b="1" lang="ru-RU" sz="2400" spc="-1" strike="noStrike">
-                <a:solidFill>
-                  <a:srgbClr val="000000"/>
-                </a:solidFill>
-                <a:latin typeface="Times New Roman"/>
-                <a:ea typeface="DejaVu Sans"/>
-              </a:rPr>
-              <a:t>репозитория</a:t>
-            </a:r>
-            <a:r>
-              <a:rPr b="0" lang="ru-RU" sz="2400" spc="-1" strike="noStrike">
-                <a:solidFill>
-                  <a:srgbClr val="000000"/>
-                </a:solidFill>
-                <a:latin typeface="Times New Roman"/>
-                <a:ea typeface="DejaVu Sans"/>
-              </a:rPr>
-              <a:t>  </a:t>
+                <a:latin typeface="Linux Libertine Display G"/>
+                <a:ea typeface="DejaVu Sans"/>
+              </a:rPr>
+              <a:t>*~</a:t>
             </a:r>
             <a:endParaRPr b="0" lang="ru-RU" sz="2400" spc="-1" strike="noStrike">
               <a:latin typeface="Arial"/>
@@ -4940,7 +4667,7 @@
         <p:spPr>
           <a:xfrm>
             <a:off x="504000" y="226080"/>
-            <a:ext cx="9070560" cy="945360"/>
+            <a:ext cx="9070200" cy="945000"/>
           </a:xfrm>
           <a:prstGeom prst="rect">
             <a:avLst/>
@@ -4974,7 +4701,7 @@
                 <a:latin typeface="Times New Roman"/>
                 <a:ea typeface="DejaVu Sans"/>
               </a:rPr>
-              <a:t>Жизненный цикл Git</a:t>
+              <a:t>Работа с локальным репозиторием </a:t>
             </a:r>
             <a:endParaRPr b="0" lang="ru-RU" sz="4400" spc="-1" strike="noStrike">
               <a:latin typeface="Arial"/>
@@ -4982,29 +4709,342 @@
           </a:p>
         </p:txBody>
       </p:sp>
-      <p:pic>
-        <p:nvPicPr>
-          <p:cNvPr id="110" name="Объект 3_0" descr=""/>
-          <p:cNvPicPr/>
+      <p:sp>
+        <p:nvSpPr>
+          <p:cNvPr id="110" name="CustomShape 2"/>
+          <p:cNvSpPr/>
           <p:nvPr/>
-        </p:nvPicPr>
-        <p:blipFill>
-          <a:blip r:embed="rId1"/>
-          <a:stretch/>
-        </p:blipFill>
-        <p:spPr>
-          <a:xfrm>
-            <a:off x="2194560" y="1108080"/>
-            <a:ext cx="6308280" cy="4377240"/>
-          </a:xfrm>
-          <a:prstGeom prst="rect">
-            <a:avLst/>
-          </a:prstGeom>
+        </p:nvSpPr>
+        <p:spPr>
+          <a:xfrm>
+            <a:off x="914400" y="1554480"/>
+            <a:ext cx="8659800" cy="3058920"/>
+          </a:xfrm>
+          <a:prstGeom prst="rect">
+            <a:avLst/>
+          </a:prstGeom>
+          <a:noFill/>
           <a:ln w="0">
             <a:noFill/>
           </a:ln>
         </p:spPr>
-      </p:pic>
+        <p:style>
+          <a:lnRef idx="0"/>
+          <a:fillRef idx="0"/>
+          <a:effectRef idx="0"/>
+          <a:fontRef idx="minor"/>
+        </p:style>
+        <p:txBody>
+          <a:bodyPr lIns="0" rIns="0" tIns="0" bIns="0">
+            <a:normAutofit/>
+          </a:bodyPr>
+          <a:p>
+            <a:pPr marL="432000" indent="-322560">
+              <a:lnSpc>
+                <a:spcPct val="100000"/>
+              </a:lnSpc>
+              <a:spcBef>
+                <a:spcPts val="1417"/>
+              </a:spcBef>
+              <a:buClr>
+                <a:srgbClr val="000000"/>
+              </a:buClr>
+              <a:buSzPct val="45000"/>
+              <a:buFont typeface="Wingdings" charset="2"/>
+              <a:buChar char=""/>
+            </a:pPr>
+            <a:r>
+              <a:rPr b="0" lang="ru-RU" sz="2400" spc="-1" strike="noStrike">
+                <a:solidFill>
+                  <a:srgbClr val="000000"/>
+                </a:solidFill>
+                <a:latin typeface="Times New Roman"/>
+                <a:ea typeface="DejaVu Sans"/>
+              </a:rPr>
+              <a:t>Команда </a:t>
+            </a:r>
+            <a:r>
+              <a:rPr b="0" lang="ru-RU" sz="2400" spc="-1" strike="noStrike">
+                <a:solidFill>
+                  <a:srgbClr val="2a6099"/>
+                </a:solidFill>
+                <a:latin typeface="Times New Roman"/>
+                <a:ea typeface="DejaVu Sans"/>
+              </a:rPr>
+              <a:t>init</a:t>
+            </a:r>
+            <a:r>
+              <a:rPr b="0" lang="ru-RU" sz="2400" spc="-1" strike="noStrike">
+                <a:solidFill>
+                  <a:srgbClr val="000000"/>
+                </a:solidFill>
+                <a:latin typeface="Times New Roman"/>
+                <a:ea typeface="DejaVu Sans"/>
+              </a:rPr>
+              <a:t> создает репозиторий в текущем каталоге</a:t>
+            </a:r>
+            <a:endParaRPr b="0" lang="ru-RU" sz="2400" spc="-1" strike="noStrike">
+              <a:latin typeface="Arial"/>
+            </a:endParaRPr>
+          </a:p>
+          <a:p>
+            <a:pPr marL="432000" indent="-322560">
+              <a:lnSpc>
+                <a:spcPct val="100000"/>
+              </a:lnSpc>
+              <a:spcBef>
+                <a:spcPts val="1417"/>
+              </a:spcBef>
+              <a:buClr>
+                <a:srgbClr val="000000"/>
+              </a:buClr>
+              <a:buSzPct val="45000"/>
+              <a:buFont typeface="Wingdings" charset="2"/>
+              <a:buChar char=""/>
+            </a:pPr>
+            <a:r>
+              <a:rPr b="0" lang="ru-RU" sz="2400" spc="-1" strike="noStrike">
+                <a:solidFill>
+                  <a:srgbClr val="000000"/>
+                </a:solidFill>
+                <a:latin typeface="Times New Roman"/>
+                <a:ea typeface="DejaVu Sans"/>
+              </a:rPr>
+              <a:t>Команда </a:t>
+            </a:r>
+            <a:r>
+              <a:rPr b="0" lang="ru-RU" sz="2400" spc="-1" strike="noStrike">
+                <a:solidFill>
+                  <a:srgbClr val="2a6099"/>
+                </a:solidFill>
+                <a:latin typeface="Times New Roman"/>
+                <a:ea typeface="DejaVu Sans"/>
+              </a:rPr>
+              <a:t>add</a:t>
+            </a:r>
+            <a:r>
+              <a:rPr b="0" lang="ru-RU" sz="2400" spc="-1" strike="noStrike">
+                <a:solidFill>
+                  <a:srgbClr val="000000"/>
+                </a:solidFill>
+                <a:latin typeface="Times New Roman"/>
+                <a:ea typeface="DejaVu Sans"/>
+              </a:rPr>
+              <a:t> добавляет измененные файлы в </a:t>
+            </a:r>
+            <a:r>
+              <a:rPr b="1" lang="ru-RU" sz="2400" spc="-1" strike="noStrike">
+                <a:solidFill>
+                  <a:srgbClr val="000000"/>
+                </a:solidFill>
+                <a:latin typeface="Times New Roman"/>
+                <a:ea typeface="DejaVu Sans"/>
+              </a:rPr>
+              <a:t>stage</a:t>
+            </a:r>
+            <a:endParaRPr b="0" lang="ru-RU" sz="2400" spc="-1" strike="noStrike">
+              <a:latin typeface="Arial"/>
+            </a:endParaRPr>
+          </a:p>
+          <a:p>
+            <a:pPr marL="432000" indent="-322560">
+              <a:lnSpc>
+                <a:spcPct val="100000"/>
+              </a:lnSpc>
+              <a:spcBef>
+                <a:spcPts val="1417"/>
+              </a:spcBef>
+              <a:buClr>
+                <a:srgbClr val="000000"/>
+              </a:buClr>
+              <a:buSzPct val="45000"/>
+              <a:buFont typeface="Wingdings" charset="2"/>
+              <a:buChar char=""/>
+            </a:pPr>
+            <a:r>
+              <a:rPr b="0" lang="ru-RU" sz="2400" spc="-1" strike="noStrike">
+                <a:solidFill>
+                  <a:srgbClr val="000000"/>
+                </a:solidFill>
+                <a:latin typeface="Times New Roman"/>
+                <a:ea typeface="DejaVu Sans"/>
+              </a:rPr>
+              <a:t>Команда </a:t>
+            </a:r>
+            <a:r>
+              <a:rPr b="0" lang="ru-RU" sz="2400" spc="-1" strike="noStrike">
+                <a:solidFill>
+                  <a:srgbClr val="2a6099"/>
+                </a:solidFill>
+                <a:latin typeface="Times New Roman"/>
+                <a:ea typeface="DejaVu Sans"/>
+              </a:rPr>
+              <a:t>rm</a:t>
+            </a:r>
+            <a:r>
+              <a:rPr b="0" lang="ru-RU" sz="2400" spc="-1" strike="noStrike">
+                <a:solidFill>
+                  <a:srgbClr val="000000"/>
+                </a:solidFill>
+                <a:latin typeface="Times New Roman"/>
+                <a:ea typeface="DejaVu Sans"/>
+              </a:rPr>
+              <a:t> помечает файл в </a:t>
+            </a:r>
+            <a:r>
+              <a:rPr b="1" lang="ru-RU" sz="2400" spc="-1" strike="noStrike">
+                <a:solidFill>
+                  <a:srgbClr val="000000"/>
+                </a:solidFill>
+                <a:latin typeface="Times New Roman"/>
+                <a:ea typeface="DejaVu Sans"/>
+              </a:rPr>
+              <a:t>stage</a:t>
+            </a:r>
+            <a:r>
+              <a:rPr b="0" lang="ru-RU" sz="2400" spc="-1" strike="noStrike">
+                <a:solidFill>
+                  <a:srgbClr val="000000"/>
+                </a:solidFill>
+                <a:latin typeface="Times New Roman"/>
+                <a:ea typeface="DejaVu Sans"/>
+              </a:rPr>
+              <a:t> как удаленный</a:t>
+            </a:r>
+            <a:endParaRPr b="0" lang="ru-RU" sz="2400" spc="-1" strike="noStrike">
+              <a:latin typeface="Arial"/>
+            </a:endParaRPr>
+          </a:p>
+          <a:p>
+            <a:pPr marL="432000" indent="-322560">
+              <a:lnSpc>
+                <a:spcPct val="100000"/>
+              </a:lnSpc>
+              <a:spcBef>
+                <a:spcPts val="1417"/>
+              </a:spcBef>
+              <a:buClr>
+                <a:srgbClr val="000000"/>
+              </a:buClr>
+              <a:buSzPct val="45000"/>
+              <a:buFont typeface="Wingdings" charset="2"/>
+              <a:buChar char=""/>
+            </a:pPr>
+            <a:r>
+              <a:rPr b="0" lang="ru-RU" sz="2400" spc="-1" strike="noStrike">
+                <a:solidFill>
+                  <a:srgbClr val="000000"/>
+                </a:solidFill>
+                <a:latin typeface="Times New Roman"/>
+                <a:ea typeface="DejaVu Sans"/>
+              </a:rPr>
+              <a:t>Команда </a:t>
+            </a:r>
+            <a:r>
+              <a:rPr b="0" lang="ru-RU" sz="2400" spc="-1" strike="noStrike">
+                <a:solidFill>
+                  <a:srgbClr val="2a6099"/>
+                </a:solidFill>
+                <a:latin typeface="Times New Roman"/>
+                <a:ea typeface="DejaVu Sans"/>
+              </a:rPr>
+              <a:t>reset</a:t>
+            </a:r>
+            <a:r>
+              <a:rPr b="0" lang="ru-RU" sz="2400" spc="-1" strike="noStrike">
+                <a:solidFill>
+                  <a:srgbClr val="000000"/>
+                </a:solidFill>
+                <a:latin typeface="Times New Roman"/>
+                <a:ea typeface="DejaVu Sans"/>
+              </a:rPr>
+              <a:t> сбрасывает изменения в текущем </a:t>
+            </a:r>
+            <a:r>
+              <a:rPr b="1" lang="ru-RU" sz="2400" spc="-1" strike="noStrike">
+                <a:solidFill>
+                  <a:srgbClr val="000000"/>
+                </a:solidFill>
+                <a:latin typeface="Times New Roman"/>
+                <a:ea typeface="DejaVu Sans"/>
+              </a:rPr>
+              <a:t>stage</a:t>
+            </a:r>
+            <a:endParaRPr b="0" lang="ru-RU" sz="2400" spc="-1" strike="noStrike">
+              <a:latin typeface="Arial"/>
+            </a:endParaRPr>
+          </a:p>
+          <a:p>
+            <a:pPr marL="432000" indent="-322560">
+              <a:lnSpc>
+                <a:spcPct val="100000"/>
+              </a:lnSpc>
+              <a:spcBef>
+                <a:spcPts val="1417"/>
+              </a:spcBef>
+              <a:buClr>
+                <a:srgbClr val="000000"/>
+              </a:buClr>
+              <a:buSzPct val="45000"/>
+              <a:buFont typeface="Wingdings" charset="2"/>
+              <a:buChar char=""/>
+            </a:pPr>
+            <a:r>
+              <a:rPr b="0" lang="ru-RU" sz="2400" spc="-1" strike="noStrike">
+                <a:solidFill>
+                  <a:srgbClr val="000000"/>
+                </a:solidFill>
+                <a:latin typeface="Times New Roman"/>
+                <a:ea typeface="DejaVu Sans"/>
+              </a:rPr>
+              <a:t>Команда </a:t>
+            </a:r>
+            <a:r>
+              <a:rPr b="0" lang="ru-RU" sz="2400" spc="-1" strike="noStrike">
+                <a:solidFill>
+                  <a:srgbClr val="2a6099"/>
+                </a:solidFill>
+                <a:latin typeface="Times New Roman"/>
+                <a:ea typeface="DejaVu Sans"/>
+              </a:rPr>
+              <a:t>commit</a:t>
+            </a:r>
+            <a:r>
+              <a:rPr b="0" lang="ru-RU" sz="2400" spc="-1" strike="noStrike">
+                <a:solidFill>
+                  <a:srgbClr val="000000"/>
+                </a:solidFill>
+                <a:latin typeface="Times New Roman"/>
+                <a:ea typeface="DejaVu Sans"/>
+              </a:rPr>
+              <a:t> сохраняет текущий </a:t>
+            </a:r>
+            <a:r>
+              <a:rPr b="1" lang="ru-RU" sz="2400" spc="-1" strike="noStrike">
+                <a:solidFill>
+                  <a:srgbClr val="000000"/>
+                </a:solidFill>
+                <a:latin typeface="Times New Roman"/>
+                <a:ea typeface="DejaVu Sans"/>
+              </a:rPr>
+              <a:t>stage</a:t>
+            </a:r>
+            <a:r>
+              <a:rPr b="0" lang="ru-RU" sz="2400" spc="-1" strike="noStrike">
+                <a:solidFill>
+                  <a:srgbClr val="000000"/>
+                </a:solidFill>
+                <a:latin typeface="Times New Roman"/>
+                <a:ea typeface="DejaVu Sans"/>
+              </a:rPr>
+              <a:t> в локальный репозиторий</a:t>
+            </a:r>
+            <a:endParaRPr b="0" lang="ru-RU" sz="2400" spc="-1" strike="noStrike">
+              <a:latin typeface="Arial"/>
+            </a:endParaRPr>
+          </a:p>
+        </p:txBody>
+      </p:sp>
     </p:spTree>
   </p:cSld>
   <mc:AlternateContent>
@@ -5044,7 +5084,7 @@
         <p:spPr>
           <a:xfrm>
             <a:off x="504000" y="226080"/>
-            <a:ext cx="9070560" cy="945360"/>
+            <a:ext cx="9070200" cy="945000"/>
           </a:xfrm>
           <a:prstGeom prst="rect">
             <a:avLst/>
@@ -5078,7 +5118,7 @@
                 <a:latin typeface="Times New Roman"/>
                 <a:ea typeface="DejaVu Sans"/>
               </a:rPr>
-              <a:t>Работа с локальным репозиторием </a:t>
+              <a:t>Состояния файлов</a:t>
             </a:r>
             <a:endParaRPr b="0" lang="ru-RU" sz="4400" spc="-1" strike="noStrike">
               <a:latin typeface="Arial"/>
@@ -5086,342 +5126,29 @@
           </a:p>
         </p:txBody>
       </p:sp>
-      <p:sp>
-        <p:nvSpPr>
-          <p:cNvPr id="112" name="CustomShape 2"/>
-          <p:cNvSpPr/>
+      <p:pic>
+        <p:nvPicPr>
+          <p:cNvPr id="112" name="Объект 9" descr=""/>
+          <p:cNvPicPr/>
           <p:nvPr/>
-        </p:nvSpPr>
-        <p:spPr>
-          <a:xfrm>
-            <a:off x="914400" y="1554480"/>
-            <a:ext cx="8660160" cy="3059280"/>
-          </a:xfrm>
-          <a:prstGeom prst="rect">
-            <a:avLst/>
-          </a:prstGeom>
-          <a:noFill/>
+        </p:nvPicPr>
+        <p:blipFill>
+          <a:blip r:embed="rId1"/>
+          <a:stretch/>
+        </p:blipFill>
+        <p:spPr>
+          <a:xfrm>
+            <a:off x="1932120" y="1195200"/>
+            <a:ext cx="6478920" cy="4106880"/>
+          </a:xfrm>
+          <a:prstGeom prst="rect">
+            <a:avLst/>
+          </a:prstGeom>
           <a:ln w="0">
             <a:noFill/>
           </a:ln>
         </p:spPr>
-        <p:style>
-          <a:lnRef idx="0"/>
-          <a:fillRef idx="0"/>
-          <a:effectRef idx="0"/>
-          <a:fontRef idx="minor"/>
-        </p:style>
-        <p:txBody>
-          <a:bodyPr lIns="0" rIns="0" tIns="0" bIns="0">
-            <a:normAutofit/>
-          </a:bodyPr>
-          <a:p>
-            <a:pPr marL="432000" indent="-322920">
-              <a:lnSpc>
-                <a:spcPct val="100000"/>
-              </a:lnSpc>
-              <a:spcBef>
-                <a:spcPts val="1417"/>
-              </a:spcBef>
-              <a:buClr>
-                <a:srgbClr val="000000"/>
-              </a:buClr>
-              <a:buSzPct val="45000"/>
-              <a:buFont typeface="Wingdings" charset="2"/>
-              <a:buChar char=""/>
-            </a:pPr>
-            <a:r>
-              <a:rPr b="0" lang="ru-RU" sz="2400" spc="-1" strike="noStrike">
-                <a:solidFill>
-                  <a:srgbClr val="000000"/>
-                </a:solidFill>
-                <a:latin typeface="Times New Roman"/>
-                <a:ea typeface="DejaVu Sans"/>
-              </a:rPr>
-              <a:t>Команда </a:t>
-            </a:r>
-            <a:r>
-              <a:rPr b="0" lang="ru-RU" sz="2400" spc="-1" strike="noStrike">
-                <a:solidFill>
-                  <a:srgbClr val="2a6099"/>
-                </a:solidFill>
-                <a:latin typeface="Times New Roman"/>
-                <a:ea typeface="DejaVu Sans"/>
-              </a:rPr>
-              <a:t>init</a:t>
-            </a:r>
-            <a:r>
-              <a:rPr b="0" lang="ru-RU" sz="2400" spc="-1" strike="noStrike">
-                <a:solidFill>
-                  <a:srgbClr val="000000"/>
-                </a:solidFill>
-                <a:latin typeface="Times New Roman"/>
-                <a:ea typeface="DejaVu Sans"/>
-              </a:rPr>
-              <a:t> создает репозиторий в текущем каталоге</a:t>
-            </a:r>
-            <a:endParaRPr b="0" lang="ru-RU" sz="2400" spc="-1" strike="noStrike">
-              <a:latin typeface="Arial"/>
-            </a:endParaRPr>
-          </a:p>
-          <a:p>
-            <a:pPr marL="432000" indent="-322920">
-              <a:lnSpc>
-                <a:spcPct val="100000"/>
-              </a:lnSpc>
-              <a:spcBef>
-                <a:spcPts val="1417"/>
-              </a:spcBef>
-              <a:buClr>
-                <a:srgbClr val="000000"/>
-              </a:buClr>
-              <a:buSzPct val="45000"/>
-              <a:buFont typeface="Wingdings" charset="2"/>
-              <a:buChar char=""/>
-            </a:pPr>
-            <a:r>
-              <a:rPr b="0" lang="ru-RU" sz="2400" spc="-1" strike="noStrike">
-                <a:solidFill>
-                  <a:srgbClr val="000000"/>
-                </a:solidFill>
-                <a:latin typeface="Times New Roman"/>
-                <a:ea typeface="DejaVu Sans"/>
-              </a:rPr>
-              <a:t>Команда </a:t>
-            </a:r>
-            <a:r>
-              <a:rPr b="0" lang="ru-RU" sz="2400" spc="-1" strike="noStrike">
-                <a:solidFill>
-                  <a:srgbClr val="2a6099"/>
-                </a:solidFill>
-                <a:latin typeface="Times New Roman"/>
-                <a:ea typeface="DejaVu Sans"/>
-              </a:rPr>
-              <a:t>add</a:t>
-            </a:r>
-            <a:r>
-              <a:rPr b="0" lang="ru-RU" sz="2400" spc="-1" strike="noStrike">
-                <a:solidFill>
-                  <a:srgbClr val="000000"/>
-                </a:solidFill>
-                <a:latin typeface="Times New Roman"/>
-                <a:ea typeface="DejaVu Sans"/>
-              </a:rPr>
-              <a:t> добавляет измененные файлы в </a:t>
-            </a:r>
-            <a:r>
-              <a:rPr b="1" lang="ru-RU" sz="2400" spc="-1" strike="noStrike">
-                <a:solidFill>
-                  <a:srgbClr val="000000"/>
-                </a:solidFill>
-                <a:latin typeface="Times New Roman"/>
-                <a:ea typeface="DejaVu Sans"/>
-              </a:rPr>
-              <a:t>stage</a:t>
-            </a:r>
-            <a:endParaRPr b="0" lang="ru-RU" sz="2400" spc="-1" strike="noStrike">
-              <a:latin typeface="Arial"/>
-            </a:endParaRPr>
-          </a:p>
-          <a:p>
-            <a:pPr marL="432000" indent="-322920">
-              <a:lnSpc>
-                <a:spcPct val="100000"/>
-              </a:lnSpc>
-              <a:spcBef>
-                <a:spcPts val="1417"/>
-              </a:spcBef>
-              <a:buClr>
-                <a:srgbClr val="000000"/>
-              </a:buClr>
-              <a:buSzPct val="45000"/>
-              <a:buFont typeface="Wingdings" charset="2"/>
-              <a:buChar char=""/>
-            </a:pPr>
-            <a:r>
-              <a:rPr b="0" lang="ru-RU" sz="2400" spc="-1" strike="noStrike">
-                <a:solidFill>
-                  <a:srgbClr val="000000"/>
-                </a:solidFill>
-                <a:latin typeface="Times New Roman"/>
-                <a:ea typeface="DejaVu Sans"/>
-              </a:rPr>
-              <a:t>Команда </a:t>
-            </a:r>
-            <a:r>
-              <a:rPr b="0" lang="ru-RU" sz="2400" spc="-1" strike="noStrike">
-                <a:solidFill>
-                  <a:srgbClr val="2a6099"/>
-                </a:solidFill>
-                <a:latin typeface="Times New Roman"/>
-                <a:ea typeface="DejaVu Sans"/>
-              </a:rPr>
-              <a:t>rm</a:t>
-            </a:r>
-            <a:r>
-              <a:rPr b="0" lang="ru-RU" sz="2400" spc="-1" strike="noStrike">
-                <a:solidFill>
-                  <a:srgbClr val="000000"/>
-                </a:solidFill>
-                <a:latin typeface="Times New Roman"/>
-                <a:ea typeface="DejaVu Sans"/>
-              </a:rPr>
-              <a:t> помечает файл в </a:t>
-            </a:r>
-            <a:r>
-              <a:rPr b="1" lang="ru-RU" sz="2400" spc="-1" strike="noStrike">
-                <a:solidFill>
-                  <a:srgbClr val="000000"/>
-                </a:solidFill>
-                <a:latin typeface="Times New Roman"/>
-                <a:ea typeface="DejaVu Sans"/>
-              </a:rPr>
-              <a:t>stage</a:t>
-            </a:r>
-            <a:r>
-              <a:rPr b="0" lang="ru-RU" sz="2400" spc="-1" strike="noStrike">
-                <a:solidFill>
-                  <a:srgbClr val="000000"/>
-                </a:solidFill>
-                <a:latin typeface="Times New Roman"/>
-                <a:ea typeface="DejaVu Sans"/>
-              </a:rPr>
-              <a:t> как удаленный</a:t>
-            </a:r>
-            <a:endParaRPr b="0" lang="ru-RU" sz="2400" spc="-1" strike="noStrike">
-              <a:latin typeface="Arial"/>
-            </a:endParaRPr>
-          </a:p>
-          <a:p>
-            <a:pPr marL="432000" indent="-322920">
-              <a:lnSpc>
-                <a:spcPct val="100000"/>
-              </a:lnSpc>
-              <a:spcBef>
-                <a:spcPts val="1417"/>
-              </a:spcBef>
-              <a:buClr>
-                <a:srgbClr val="000000"/>
-              </a:buClr>
-              <a:buSzPct val="45000"/>
-              <a:buFont typeface="Wingdings" charset="2"/>
-              <a:buChar char=""/>
-            </a:pPr>
-            <a:r>
-              <a:rPr b="0" lang="ru-RU" sz="2400" spc="-1" strike="noStrike">
-                <a:solidFill>
-                  <a:srgbClr val="000000"/>
-                </a:solidFill>
-                <a:latin typeface="Times New Roman"/>
-                <a:ea typeface="DejaVu Sans"/>
-              </a:rPr>
-              <a:t>Команда </a:t>
-            </a:r>
-            <a:r>
-              <a:rPr b="0" lang="ru-RU" sz="2400" spc="-1" strike="noStrike">
-                <a:solidFill>
-                  <a:srgbClr val="2a6099"/>
-                </a:solidFill>
-                <a:latin typeface="Times New Roman"/>
-                <a:ea typeface="DejaVu Sans"/>
-              </a:rPr>
-              <a:t>reset</a:t>
-            </a:r>
-            <a:r>
-              <a:rPr b="0" lang="ru-RU" sz="2400" spc="-1" strike="noStrike">
-                <a:solidFill>
-                  <a:srgbClr val="000000"/>
-                </a:solidFill>
-                <a:latin typeface="Times New Roman"/>
-                <a:ea typeface="DejaVu Sans"/>
-              </a:rPr>
-              <a:t> сбрасывает изменения в текущем </a:t>
-            </a:r>
-            <a:r>
-              <a:rPr b="1" lang="ru-RU" sz="2400" spc="-1" strike="noStrike">
-                <a:solidFill>
-                  <a:srgbClr val="000000"/>
-                </a:solidFill>
-                <a:latin typeface="Times New Roman"/>
-                <a:ea typeface="DejaVu Sans"/>
-              </a:rPr>
-              <a:t>stage</a:t>
-            </a:r>
-            <a:endParaRPr b="0" lang="ru-RU" sz="2400" spc="-1" strike="noStrike">
-              <a:latin typeface="Arial"/>
-            </a:endParaRPr>
-          </a:p>
-          <a:p>
-            <a:pPr marL="432000" indent="-322920">
-              <a:lnSpc>
-                <a:spcPct val="100000"/>
-              </a:lnSpc>
-              <a:spcBef>
-                <a:spcPts val="1417"/>
-              </a:spcBef>
-              <a:buClr>
-                <a:srgbClr val="000000"/>
-              </a:buClr>
-              <a:buSzPct val="45000"/>
-              <a:buFont typeface="Wingdings" charset="2"/>
-              <a:buChar char=""/>
-            </a:pPr>
-            <a:r>
-              <a:rPr b="0" lang="ru-RU" sz="2400" spc="-1" strike="noStrike">
-                <a:solidFill>
-                  <a:srgbClr val="000000"/>
-                </a:solidFill>
-                <a:latin typeface="Times New Roman"/>
-                <a:ea typeface="DejaVu Sans"/>
-              </a:rPr>
-              <a:t>Команда </a:t>
-            </a:r>
-            <a:r>
-              <a:rPr b="0" lang="ru-RU" sz="2400" spc="-1" strike="noStrike">
-                <a:solidFill>
-                  <a:srgbClr val="2a6099"/>
-                </a:solidFill>
-                <a:latin typeface="Times New Roman"/>
-                <a:ea typeface="DejaVu Sans"/>
-              </a:rPr>
-              <a:t>commit</a:t>
-            </a:r>
-            <a:r>
-              <a:rPr b="0" lang="ru-RU" sz="2400" spc="-1" strike="noStrike">
-                <a:solidFill>
-                  <a:srgbClr val="000000"/>
-                </a:solidFill>
-                <a:latin typeface="Times New Roman"/>
-                <a:ea typeface="DejaVu Sans"/>
-              </a:rPr>
-              <a:t> сохраняет текущий </a:t>
-            </a:r>
-            <a:r>
-              <a:rPr b="1" lang="ru-RU" sz="2400" spc="-1" strike="noStrike">
-                <a:solidFill>
-                  <a:srgbClr val="000000"/>
-                </a:solidFill>
-                <a:latin typeface="Times New Roman"/>
-                <a:ea typeface="DejaVu Sans"/>
-              </a:rPr>
-              <a:t>stage</a:t>
-            </a:r>
-            <a:r>
-              <a:rPr b="0" lang="ru-RU" sz="2400" spc="-1" strike="noStrike">
-                <a:solidFill>
-                  <a:srgbClr val="000000"/>
-                </a:solidFill>
-                <a:latin typeface="Times New Roman"/>
-                <a:ea typeface="DejaVu Sans"/>
-              </a:rPr>
-              <a:t> в локальный репозиторий</a:t>
-            </a:r>
-            <a:endParaRPr b="0" lang="ru-RU" sz="2400" spc="-1" strike="noStrike">
-              <a:latin typeface="Arial"/>
-            </a:endParaRPr>
-          </a:p>
-        </p:txBody>
-      </p:sp>
+      </p:pic>
     </p:spTree>
   </p:cSld>
   <mc:AlternateContent>
@@ -5461,7 +5188,7 @@
         <p:spPr>
           <a:xfrm>
             <a:off x="504000" y="226080"/>
-            <a:ext cx="9070560" cy="945360"/>
+            <a:ext cx="9070200" cy="945000"/>
           </a:xfrm>
           <a:prstGeom prst="rect">
             <a:avLst/>
@@ -5495,7 +5222,7 @@
                 <a:latin typeface="Times New Roman"/>
                 <a:ea typeface="DejaVu Sans"/>
               </a:rPr>
-              <a:t>Состояния файлов</a:t>
+              <a:t>Определение состояний файлов</a:t>
             </a:r>
             <a:endParaRPr b="0" lang="ru-RU" sz="4400" spc="-1" strike="noStrike">
               <a:latin typeface="Arial"/>
@@ -5503,29 +5230,153 @@
           </a:p>
         </p:txBody>
       </p:sp>
-      <p:pic>
-        <p:nvPicPr>
-          <p:cNvPr id="114" name="Объект 9" descr=""/>
-          <p:cNvPicPr/>
+      <p:sp>
+        <p:nvSpPr>
+          <p:cNvPr id="114" name="CustomShape 2"/>
+          <p:cNvSpPr/>
           <p:nvPr/>
-        </p:nvPicPr>
-        <p:blipFill>
-          <a:blip r:embed="rId1"/>
-          <a:stretch/>
-        </p:blipFill>
-        <p:spPr>
-          <a:xfrm>
-            <a:off x="1932120" y="1195200"/>
-            <a:ext cx="6479280" cy="4107240"/>
-          </a:xfrm>
-          <a:prstGeom prst="rect">
-            <a:avLst/>
-          </a:prstGeom>
+        </p:nvSpPr>
+        <p:spPr>
+          <a:xfrm>
+            <a:off x="504000" y="1326600"/>
+            <a:ext cx="9070200" cy="3286800"/>
+          </a:xfrm>
+          <a:prstGeom prst="rect">
+            <a:avLst/>
+          </a:prstGeom>
+          <a:noFill/>
           <a:ln w="0">
             <a:noFill/>
           </a:ln>
         </p:spPr>
-      </p:pic>
+        <p:style>
+          <a:lnRef idx="0"/>
+          <a:fillRef idx="0"/>
+          <a:effectRef idx="0"/>
+          <a:fontRef idx="minor"/>
+        </p:style>
+        <p:txBody>
+          <a:bodyPr lIns="0" rIns="0" tIns="0" bIns="0">
+            <a:normAutofit/>
+          </a:bodyPr>
+          <a:p>
+            <a:pPr marL="432000" indent="-322560">
+              <a:lnSpc>
+                <a:spcPct val="100000"/>
+              </a:lnSpc>
+              <a:spcBef>
+                <a:spcPts val="1417"/>
+              </a:spcBef>
+              <a:buClr>
+                <a:srgbClr val="000000"/>
+              </a:buClr>
+              <a:buSzPct val="45000"/>
+              <a:buFont typeface="Wingdings" charset="2"/>
+              <a:buChar char=""/>
+            </a:pPr>
+            <a:r>
+              <a:rPr b="0" lang="ru-RU" sz="2400" spc="-1" strike="noStrike">
+                <a:solidFill>
+                  <a:srgbClr val="000000"/>
+                </a:solidFill>
+                <a:latin typeface="Times New Roman"/>
+                <a:ea typeface="DejaVu Sans"/>
+              </a:rPr>
+              <a:t>Основной инструмент, используемый для определения, какие файлы в каком состоянии находятся — это команда:</a:t>
+            </a:r>
+            <a:endParaRPr b="0" lang="ru-RU" sz="2400" spc="-1" strike="noStrike">
+              <a:latin typeface="Arial"/>
+            </a:endParaRPr>
+          </a:p>
+          <a:p>
+            <a:pPr lvl="1" marL="864000" indent="-322560">
+              <a:lnSpc>
+                <a:spcPct val="100000"/>
+              </a:lnSpc>
+              <a:spcBef>
+                <a:spcPts val="1134"/>
+              </a:spcBef>
+              <a:buClr>
+                <a:srgbClr val="000000"/>
+              </a:buClr>
+              <a:buSzPct val="75000"/>
+              <a:buFont typeface="Symbol"/>
+              <a:buChar char=""/>
+            </a:pPr>
+            <a:r>
+              <a:rPr b="0" lang="ru-RU" sz="2400" spc="-1" strike="noStrike">
+                <a:solidFill>
+                  <a:srgbClr val="2a6099"/>
+                </a:solidFill>
+                <a:latin typeface="Linux Libertine Display G"/>
+                <a:ea typeface="DejaVu Sans"/>
+              </a:rPr>
+              <a:t>$ git status</a:t>
+            </a:r>
+            <a:endParaRPr b="0" lang="ru-RU" sz="2400" spc="-1" strike="noStrike">
+              <a:latin typeface="Arial"/>
+            </a:endParaRPr>
+          </a:p>
+          <a:p>
+            <a:pPr marL="432000" indent="-322560">
+              <a:lnSpc>
+                <a:spcPct val="100000"/>
+              </a:lnSpc>
+              <a:spcBef>
+                <a:spcPts val="1417"/>
+              </a:spcBef>
+              <a:buClr>
+                <a:srgbClr val="000000"/>
+              </a:buClr>
+              <a:buSzPct val="45000"/>
+              <a:buFont typeface="Wingdings" charset="2"/>
+              <a:buChar char=""/>
+            </a:pPr>
+            <a:r>
+              <a:rPr b="0" lang="ru-RU" sz="2400" spc="-1" strike="noStrike">
+                <a:solidFill>
+                  <a:srgbClr val="000000"/>
+                </a:solidFill>
+                <a:latin typeface="Times New Roman"/>
+                <a:ea typeface="DejaVu Sans"/>
+              </a:rPr>
+              <a:t>Увидеть изменения в более компактном виде:</a:t>
+            </a:r>
+            <a:endParaRPr b="0" lang="ru-RU" sz="2400" spc="-1" strike="noStrike">
+              <a:latin typeface="Arial"/>
+            </a:endParaRPr>
+          </a:p>
+          <a:p>
+            <a:pPr lvl="1" marL="864000" indent="-322560">
+              <a:lnSpc>
+                <a:spcPct val="100000"/>
+              </a:lnSpc>
+              <a:spcBef>
+                <a:spcPts val="1134"/>
+              </a:spcBef>
+              <a:buClr>
+                <a:srgbClr val="000000"/>
+              </a:buClr>
+              <a:buSzPct val="75000"/>
+              <a:buFont typeface="Symbol"/>
+              <a:buChar char=""/>
+            </a:pPr>
+            <a:r>
+              <a:rPr b="0" lang="ru-RU" sz="2400" spc="-1" strike="noStrike">
+                <a:solidFill>
+                  <a:srgbClr val="2a6099"/>
+                </a:solidFill>
+                <a:latin typeface="Linux Libertine Display G"/>
+                <a:ea typeface="DejaVu Sans"/>
+              </a:rPr>
+              <a:t>$ git status -s</a:t>
+            </a:r>
+            <a:endParaRPr b="0" lang="ru-RU" sz="2400" spc="-1" strike="noStrike">
+              <a:latin typeface="Arial"/>
+            </a:endParaRPr>
+          </a:p>
+        </p:txBody>
+      </p:sp>
     </p:spTree>
   </p:cSld>
   <mc:AlternateContent>
@@ -5565,7 +5416,7 @@
         <p:spPr>
           <a:xfrm>
             <a:off x="504000" y="226080"/>
-            <a:ext cx="9070560" cy="945360"/>
+            <a:ext cx="9070200" cy="945000"/>
           </a:xfrm>
           <a:prstGeom prst="rect">
             <a:avLst/>
@@ -5599,7 +5450,7 @@
                 <a:latin typeface="Times New Roman"/>
                 <a:ea typeface="DejaVu Sans"/>
               </a:rPr>
-              <a:t>Определение состояний файлов</a:t>
+              <a:t>Работа с удаленным репозиторием </a:t>
             </a:r>
             <a:endParaRPr b="0" lang="ru-RU" sz="4400" spc="-1" strike="noStrike">
               <a:latin typeface="Arial"/>
@@ -5615,8 +5466,8 @@
         </p:nvSpPr>
         <p:spPr>
           <a:xfrm>
-            <a:off x="504000" y="1326600"/>
-            <a:ext cx="9070560" cy="3287160"/>
+            <a:off x="731520" y="1558080"/>
+            <a:ext cx="8959680" cy="3286800"/>
           </a:xfrm>
           <a:prstGeom prst="rect">
             <a:avLst/>
@@ -5637,7 +5488,7 @@
             <a:normAutofit/>
           </a:bodyPr>
           <a:p>
-            <a:pPr marL="432000" indent="-322920">
+            <a:pPr marL="432000" indent="-322560">
               <a:lnSpc>
                 <a:spcPct val="100000"/>
               </a:lnSpc>
@@ -5659,43 +5510,54 @@
                 <a:latin typeface="Times New Roman"/>
                 <a:ea typeface="DejaVu Sans"/>
               </a:rPr>
-              <a:t>Основной инструмент, используемый для определения, какие файлы в каком состоянии находятся — это команда:</a:t>
+              <a:t>Команда </a:t>
+            </a:r>
+            <a:r>
+              <a:rPr b="0" lang="ru-RU" sz="2400" spc="-1" strike="noStrike">
+                <a:solidFill>
+                  <a:srgbClr val="2a6099"/>
+                </a:solidFill>
+                <a:latin typeface="Times New Roman"/>
+                <a:ea typeface="DejaVu Sans"/>
+              </a:rPr>
+              <a:t>clone</a:t>
+            </a:r>
+            <a:r>
+              <a:rPr b="0" lang="ru-RU" sz="2400" spc="-1" strike="noStrike">
+                <a:solidFill>
+                  <a:srgbClr val="000000"/>
+                </a:solidFill>
+                <a:latin typeface="Times New Roman"/>
+                <a:ea typeface="DejaVu Sans"/>
+              </a:rPr>
+              <a:t> клонирует </a:t>
+            </a:r>
+            <a:r>
+              <a:rPr b="1" lang="ru-RU" sz="2400" spc="-1" strike="noStrike">
+                <a:solidFill>
+                  <a:srgbClr val="000000"/>
+                </a:solidFill>
+                <a:latin typeface="Times New Roman"/>
+                <a:ea typeface="DejaVu Sans"/>
+              </a:rPr>
+              <a:t>репозиторий</a:t>
+            </a:r>
+            <a:r>
+              <a:rPr b="0" lang="ru-RU" sz="2400" spc="-1" strike="noStrike">
+                <a:solidFill>
+                  <a:srgbClr val="000000"/>
+                </a:solidFill>
+                <a:latin typeface="Times New Roman"/>
+                <a:ea typeface="DejaVu Sans"/>
+              </a:rPr>
+              <a:t> и создаёт рабочую копию</a:t>
             </a:r>
             <a:endParaRPr b="0" lang="ru-RU" sz="2400" spc="-1" strike="noStrike">
               <a:latin typeface="Arial"/>
             </a:endParaRPr>
           </a:p>
           <a:p>
-            <a:pPr lvl="1" marL="864000" indent="-322920">
-              <a:lnSpc>
-                <a:spcPct val="100000"/>
-              </a:lnSpc>
-              <a:spcBef>
-                <a:spcPts val="1134"/>
-              </a:spcBef>
-              <a:buClr>
-                <a:srgbClr val="000000"/>
-              </a:buClr>
-              <a:buSzPct val="75000"/>
-              <a:buFont typeface="Symbol"/>
-              <a:buChar char=""/>
-            </a:pPr>
-            <a:r>
-              <a:rPr b="0" lang="ru-RU" sz="2400" spc="-1" strike="noStrike">
-                <a:solidFill>
-                  <a:srgbClr val="2a6099"/>
-                </a:solidFill>
-                <a:latin typeface="Linux Libertine Display G"/>
-                <a:ea typeface="DejaVu Sans"/>
-              </a:rPr>
-              <a:t>$ git status</a:t>
-            </a:r>
-            <a:endParaRPr b="0" lang="ru-RU" sz="2400" spc="-1" strike="noStrike">
-              <a:latin typeface="Arial"/>
-            </a:endParaRPr>
-          </a:p>
-          <a:p>
-            <a:pPr marL="432000" indent="-322920">
+            <a:pPr marL="432000" indent="-322560">
               <a:lnSpc>
                 <a:spcPct val="100000"/>
               </a:lnSpc>
@@ -5717,36 +5579,175 @@
                 <a:latin typeface="Times New Roman"/>
                 <a:ea typeface="DejaVu Sans"/>
               </a:rPr>
-              <a:t>Увидеть изменения в более компактном виде:</a:t>
+              <a:t>Команда </a:t>
+            </a:r>
+            <a:r>
+              <a:rPr b="0" lang="ru-RU" sz="2400" spc="-1" strike="noStrike">
+                <a:solidFill>
+                  <a:srgbClr val="2a6099"/>
+                </a:solidFill>
+                <a:latin typeface="Times New Roman"/>
+                <a:ea typeface="DejaVu Sans"/>
+              </a:rPr>
+              <a:t>push</a:t>
+            </a:r>
+            <a:r>
+              <a:rPr b="0" lang="ru-RU" sz="2400" spc="-1" strike="noStrike">
+                <a:solidFill>
+                  <a:srgbClr val="000000"/>
+                </a:solidFill>
+                <a:latin typeface="Times New Roman"/>
+                <a:ea typeface="DejaVu Sans"/>
+              </a:rPr>
+              <a:t> отправляет изменения в удаленный </a:t>
+            </a:r>
+            <a:r>
+              <a:rPr b="1" lang="ru-RU" sz="2400" spc="-1" strike="noStrike">
+                <a:solidFill>
+                  <a:srgbClr val="000000"/>
+                </a:solidFill>
+                <a:latin typeface="Times New Roman"/>
+                <a:ea typeface="DejaVu Sans"/>
+              </a:rPr>
+              <a:t>репозиторий</a:t>
             </a:r>
             <a:endParaRPr b="0" lang="ru-RU" sz="2400" spc="-1" strike="noStrike">
               <a:latin typeface="Arial"/>
             </a:endParaRPr>
           </a:p>
           <a:p>
-            <a:pPr lvl="1" marL="864000" indent="-322920">
+            <a:pPr marL="432000" indent="-322560">
               <a:lnSpc>
                 <a:spcPct val="100000"/>
               </a:lnSpc>
               <a:spcBef>
-                <a:spcPts val="1134"/>
+                <a:spcPts val="1417"/>
               </a:spcBef>
               <a:buClr>
                 <a:srgbClr val="000000"/>
               </a:buClr>
-              <a:buSzPct val="75000"/>
-              <a:buFont typeface="Symbol"/>
-              <a:buChar char=""/>
+              <a:buSzPct val="45000"/>
+              <a:buFont typeface="Wingdings" charset="2"/>
+              <a:buChar char=""/>
             </a:pPr>
             <a:r>
               <a:rPr b="0" lang="ru-RU" sz="2400" spc="-1" strike="noStrike">
                 <a:solidFill>
+                  <a:srgbClr val="000000"/>
+                </a:solidFill>
+                <a:latin typeface="Times New Roman"/>
+                <a:ea typeface="DejaVu Sans"/>
+              </a:rPr>
+              <a:t>Команда </a:t>
+            </a:r>
+            <a:r>
+              <a:rPr b="0" lang="ru-RU" sz="2400" spc="-1" strike="noStrike">
+                <a:solidFill>
                   <a:srgbClr val="2a6099"/>
                 </a:solidFill>
-                <a:latin typeface="Linux Libertine Display G"/>
-                <a:ea typeface="DejaVu Sans"/>
-              </a:rPr>
-              <a:t>$ git status -s</a:t>
+                <a:latin typeface="Times New Roman"/>
+                <a:ea typeface="DejaVu Sans"/>
+              </a:rPr>
+              <a:t>pull</a:t>
+            </a:r>
+            <a:r>
+              <a:rPr b="0" lang="ru-RU" sz="2400" spc="-1" strike="noStrike">
+                <a:solidFill>
+                  <a:srgbClr val="000000"/>
+                </a:solidFill>
+                <a:latin typeface="Times New Roman"/>
+                <a:ea typeface="DejaVu Sans"/>
+              </a:rPr>
+              <a:t> забирает изменения указанной ветки из удаленного </a:t>
+            </a:r>
+            <a:r>
+              <a:rPr b="1" lang="ru-RU" sz="2400" spc="-1" strike="noStrike">
+                <a:solidFill>
+                  <a:srgbClr val="000000"/>
+                </a:solidFill>
+                <a:latin typeface="Times New Roman"/>
+                <a:ea typeface="DejaVu Sans"/>
+              </a:rPr>
+              <a:t>репозитория</a:t>
+            </a:r>
+            <a:r>
+              <a:rPr b="0" lang="ru-RU" sz="2400" spc="-1" strike="noStrike">
+                <a:solidFill>
+                  <a:srgbClr val="000000"/>
+                </a:solidFill>
+                <a:latin typeface="Times New Roman"/>
+                <a:ea typeface="DejaVu Sans"/>
+              </a:rPr>
+              <a:t> и сливает их в текущую ветку</a:t>
+            </a:r>
+            <a:endParaRPr b="0" lang="ru-RU" sz="2400" spc="-1" strike="noStrike">
+              <a:latin typeface="Arial"/>
+            </a:endParaRPr>
+          </a:p>
+          <a:p>
+            <a:pPr marL="432000" indent="-322560">
+              <a:lnSpc>
+                <a:spcPct val="100000"/>
+              </a:lnSpc>
+              <a:spcBef>
+                <a:spcPts val="1417"/>
+              </a:spcBef>
+              <a:buClr>
+                <a:srgbClr val="000000"/>
+              </a:buClr>
+              <a:buSzPct val="45000"/>
+              <a:buFont typeface="Wingdings" charset="2"/>
+              <a:buChar char=""/>
+            </a:pPr>
+            <a:r>
+              <a:rPr b="0" lang="ru-RU" sz="2400" spc="-1" strike="noStrike">
+                <a:solidFill>
+                  <a:srgbClr val="000000"/>
+                </a:solidFill>
+                <a:latin typeface="Times New Roman"/>
+                <a:ea typeface="DejaVu Sans"/>
+              </a:rPr>
+              <a:t>Команда </a:t>
+            </a:r>
+            <a:r>
+              <a:rPr b="0" lang="ru-RU" sz="2400" spc="-1" strike="noStrike">
+                <a:solidFill>
+                  <a:srgbClr val="2a6099"/>
+                </a:solidFill>
+                <a:latin typeface="Times New Roman"/>
+                <a:ea typeface="DejaVu Sans"/>
+              </a:rPr>
+              <a:t>fetch</a:t>
+            </a:r>
+            <a:r>
+              <a:rPr b="0" lang="ru-RU" sz="2400" spc="-1" strike="noStrike">
+                <a:solidFill>
+                  <a:srgbClr val="000000"/>
+                </a:solidFill>
+                <a:latin typeface="Times New Roman"/>
+                <a:ea typeface="DejaVu Sans"/>
+              </a:rPr>
+              <a:t> забирает все изменения из удаленного </a:t>
+            </a:r>
+            <a:r>
+              <a:rPr b="1" lang="ru-RU" sz="2400" spc="-1" strike="noStrike">
+                <a:solidFill>
+                  <a:srgbClr val="000000"/>
+                </a:solidFill>
+                <a:latin typeface="Times New Roman"/>
+                <a:ea typeface="DejaVu Sans"/>
+              </a:rPr>
+              <a:t>репозитория</a:t>
+            </a:r>
+            <a:r>
+              <a:rPr b="0" lang="ru-RU" sz="2400" spc="-1" strike="noStrike">
+                <a:solidFill>
+                  <a:srgbClr val="000000"/>
+                </a:solidFill>
+                <a:latin typeface="Times New Roman"/>
+                <a:ea typeface="DejaVu Sans"/>
+              </a:rPr>
+              <a:t>  </a:t>
             </a:r>
             <a:endParaRPr b="0" lang="ru-RU" sz="2400" spc="-1" strike="noStrike">
               <a:latin typeface="Arial"/>
@@ -5793,7 +5794,7 @@
         <p:spPr>
           <a:xfrm>
             <a:off x="504000" y="226080"/>
-            <a:ext cx="9070560" cy="945360"/>
+            <a:ext cx="9070200" cy="945000"/>
           </a:xfrm>
           <a:prstGeom prst="rect">
             <a:avLst/>
@@ -5839,7 +5840,7 @@
               </a:rPr>
               <a:t>VCS</a:t>
             </a:r>
-            <a:endParaRPr b="1" lang="ru-RU" sz="4400" spc="-1" strike="noStrike">
+            <a:endParaRPr b="0" lang="ru-RU" sz="4400" spc="-1" strike="noStrike">
               <a:latin typeface="Arial"/>
             </a:endParaRPr>
           </a:p>
@@ -5858,7 +5859,7 @@
         <p:spPr>
           <a:xfrm>
             <a:off x="2681280" y="1333800"/>
-            <a:ext cx="4541400" cy="3877200"/>
+            <a:ext cx="4541040" cy="3876840"/>
           </a:xfrm>
           <a:prstGeom prst="rect">
             <a:avLst/>
@@ -5907,7 +5908,7 @@
         <p:spPr>
           <a:xfrm>
             <a:off x="504000" y="226080"/>
-            <a:ext cx="9070560" cy="945360"/>
+            <a:ext cx="9070200" cy="945000"/>
           </a:xfrm>
           <a:prstGeom prst="rect">
             <a:avLst/>
@@ -5941,7 +5942,7 @@
                 <a:latin typeface="Times New Roman"/>
                 <a:ea typeface="DejaVu Sans"/>
               </a:rPr>
-              <a:t>Просмотр истории коммитов</a:t>
+              <a:t>Жизненный цикл Git</a:t>
             </a:r>
             <a:endParaRPr b="0" lang="ru-RU" sz="4400" spc="-1" strike="noStrike">
               <a:latin typeface="Arial"/>
@@ -5949,153 +5950,29 @@
           </a:p>
         </p:txBody>
       </p:sp>
-      <p:sp>
-        <p:nvSpPr>
-          <p:cNvPr id="118" name="CustomShape 2"/>
-          <p:cNvSpPr/>
+      <p:pic>
+        <p:nvPicPr>
+          <p:cNvPr id="118" name="Объект 3_0" descr=""/>
+          <p:cNvPicPr/>
           <p:nvPr/>
-        </p:nvSpPr>
-        <p:spPr>
-          <a:xfrm>
-            <a:off x="504000" y="1326600"/>
-            <a:ext cx="9070560" cy="3287160"/>
-          </a:xfrm>
-          <a:prstGeom prst="rect">
-            <a:avLst/>
-          </a:prstGeom>
-          <a:noFill/>
+        </p:nvPicPr>
+        <p:blipFill>
+          <a:blip r:embed="rId1"/>
+          <a:stretch/>
+        </p:blipFill>
+        <p:spPr>
+          <a:xfrm>
+            <a:off x="2194560" y="1108080"/>
+            <a:ext cx="6307920" cy="4376880"/>
+          </a:xfrm>
+          <a:prstGeom prst="rect">
+            <a:avLst/>
+          </a:prstGeom>
           <a:ln w="0">
             <a:noFill/>
           </a:ln>
         </p:spPr>
-        <p:style>
-          <a:lnRef idx="0"/>
-          <a:fillRef idx="0"/>
-          <a:effectRef idx="0"/>
-          <a:fontRef idx="minor"/>
-        </p:style>
-        <p:txBody>
-          <a:bodyPr lIns="0" rIns="0" tIns="0" bIns="0">
-            <a:normAutofit fontScale="88000"/>
-          </a:bodyPr>
-          <a:p>
-            <a:pPr marL="432000" indent="-322920">
-              <a:lnSpc>
-                <a:spcPct val="100000"/>
-              </a:lnSpc>
-              <a:spcBef>
-                <a:spcPts val="1417"/>
-              </a:spcBef>
-              <a:buClr>
-                <a:srgbClr val="000000"/>
-              </a:buClr>
-              <a:buSzPct val="45000"/>
-              <a:buFont typeface="Wingdings" charset="2"/>
-              <a:buChar char=""/>
-            </a:pPr>
-            <a:r>
-              <a:rPr b="0" lang="ru-RU" sz="2400" spc="-1" strike="noStrike">
-                <a:solidFill>
-                  <a:srgbClr val="000000"/>
-                </a:solidFill>
-                <a:latin typeface="Times New Roman"/>
-                <a:ea typeface="DejaVu Sans"/>
-              </a:rPr>
-              <a:t>После того, как вы создали несколько коммитов или же склонировали репозиторий с уже существующей историей коммитов, вероятно вам понадобится возможность посмотреть что было сделано – историю коммитов:</a:t>
-            </a:r>
-            <a:endParaRPr b="0" lang="ru-RU" sz="2400" spc="-1" strike="noStrike">
-              <a:latin typeface="Arial"/>
-            </a:endParaRPr>
-          </a:p>
-          <a:p>
-            <a:pPr lvl="1" marL="864000" indent="-322920">
-              <a:lnSpc>
-                <a:spcPct val="100000"/>
-              </a:lnSpc>
-              <a:spcBef>
-                <a:spcPts val="1134"/>
-              </a:spcBef>
-              <a:buClr>
-                <a:srgbClr val="000000"/>
-              </a:buClr>
-              <a:buSzPct val="75000"/>
-              <a:buFont typeface="Symbol"/>
-              <a:buChar char=""/>
-            </a:pPr>
-            <a:r>
-              <a:rPr b="0" lang="ru-RU" sz="2400" spc="-1" strike="noStrike">
-                <a:solidFill>
-                  <a:srgbClr val="2a6099"/>
-                </a:solidFill>
-                <a:latin typeface="Linux Libertine Display G"/>
-                <a:ea typeface="DejaVu Sans"/>
-              </a:rPr>
-              <a:t>$ git log</a:t>
-            </a:r>
-            <a:endParaRPr b="0" lang="ru-RU" sz="2400" spc="-1" strike="noStrike">
-              <a:latin typeface="Arial"/>
-            </a:endParaRPr>
-          </a:p>
-          <a:p>
-            <a:pPr marL="432000" indent="-322920">
-              <a:lnSpc>
-                <a:spcPct val="100000"/>
-              </a:lnSpc>
-              <a:spcBef>
-                <a:spcPts val="1417"/>
-              </a:spcBef>
-              <a:buClr>
-                <a:srgbClr val="000000"/>
-              </a:buClr>
-              <a:buSzPct val="45000"/>
-              <a:buFont typeface="Wingdings" charset="2"/>
-              <a:buChar char=""/>
-            </a:pPr>
-            <a:r>
-              <a:rPr b="0" lang="ru-RU" sz="2400" spc="-1" strike="noStrike">
-                <a:solidFill>
-                  <a:srgbClr val="000000"/>
-                </a:solidFill>
-                <a:latin typeface="Times New Roman"/>
-                <a:ea typeface="DejaVu Sans"/>
-              </a:rPr>
-              <a:t>Одним из самых полезных аргументов является -p или --patch, который показывает разницу (выводит патч), внесенную в каждый коммит</a:t>
-            </a:r>
-            <a:endParaRPr b="0" lang="ru-RU" sz="2400" spc="-1" strike="noStrike">
-              <a:latin typeface="Arial"/>
-            </a:endParaRPr>
-          </a:p>
-          <a:p>
-            <a:pPr lvl="1" marL="864000" indent="-322920">
-              <a:lnSpc>
-                <a:spcPct val="100000"/>
-              </a:lnSpc>
-              <a:spcBef>
-                <a:spcPts val="1134"/>
-              </a:spcBef>
-              <a:buClr>
-                <a:srgbClr val="000000"/>
-              </a:buClr>
-              <a:buSzPct val="75000"/>
-              <a:buFont typeface="Symbol"/>
-              <a:buChar char=""/>
-            </a:pPr>
-            <a:r>
-              <a:rPr b="0" lang="ru-RU" sz="2400" spc="-1" strike="noStrike">
-                <a:solidFill>
-                  <a:srgbClr val="2a6099"/>
-                </a:solidFill>
-                <a:latin typeface="Linux Libertine Display G"/>
-                <a:ea typeface="DejaVu Sans"/>
-              </a:rPr>
-              <a:t>$ git log -p -2</a:t>
-            </a:r>
-            <a:endParaRPr b="0" lang="ru-RU" sz="2400" spc="-1" strike="noStrike">
-              <a:latin typeface="Arial"/>
-            </a:endParaRPr>
-          </a:p>
-        </p:txBody>
-      </p:sp>
+      </p:pic>
     </p:spTree>
   </p:cSld>
   <mc:AlternateContent>
@@ -6135,7 +6012,7 @@
         <p:spPr>
           <a:xfrm>
             <a:off x="504000" y="226080"/>
-            <a:ext cx="9070560" cy="945360"/>
+            <a:ext cx="9070200" cy="945000"/>
           </a:xfrm>
           <a:prstGeom prst="rect">
             <a:avLst/>
@@ -6169,7 +6046,7 @@
                 <a:latin typeface="Times New Roman"/>
                 <a:ea typeface="DejaVu Sans"/>
               </a:rPr>
-              <a:t>Основные операции</a:t>
+              <a:t>Просмотр истории коммитов</a:t>
             </a:r>
             <a:endParaRPr b="0" lang="ru-RU" sz="4400" spc="-1" strike="noStrike">
               <a:latin typeface="Arial"/>
@@ -6185,8 +6062,8 @@
         </p:nvSpPr>
         <p:spPr>
           <a:xfrm>
-            <a:off x="640080" y="1326600"/>
-            <a:ext cx="9070560" cy="3975840"/>
+            <a:off x="504000" y="1326600"/>
+            <a:ext cx="9070200" cy="3286800"/>
           </a:xfrm>
           <a:prstGeom prst="rect">
             <a:avLst/>
@@ -6204,10 +6081,10 @@
         </p:style>
         <p:txBody>
           <a:bodyPr lIns="0" rIns="0" tIns="0" bIns="0">
-            <a:normAutofit fontScale="66000"/>
-          </a:bodyPr>
-          <a:p>
-            <a:pPr marL="432000" indent="-322920">
+            <a:normAutofit fontScale="88000"/>
+          </a:bodyPr>
+          <a:p>
+            <a:pPr marL="432000" indent="-322560">
               <a:lnSpc>
                 <a:spcPct val="100000"/>
               </a:lnSpc>
@@ -6229,14 +6106,14 @@
                 <a:latin typeface="Times New Roman"/>
                 <a:ea typeface="DejaVu Sans"/>
               </a:rPr>
-              <a:t>Были сделали изменения в файле test.cpp. Проверить статус:</a:t>
+              <a:t>После того, как вы создали несколько коммитов или же склонировали репозиторий с уже существующей историей коммитов, вероятно вам понадобится возможность посмотреть что было сделано – историю коммитов:</a:t>
             </a:r>
             <a:endParaRPr b="0" lang="ru-RU" sz="2400" spc="-1" strike="noStrike">
               <a:latin typeface="Arial"/>
             </a:endParaRPr>
           </a:p>
           <a:p>
-            <a:pPr lvl="1" marL="864000" indent="-322920">
+            <a:pPr lvl="1" marL="864000" indent="-322560">
               <a:lnSpc>
                 <a:spcPct val="100000"/>
               </a:lnSpc>
@@ -6258,14 +6135,14 @@
                 <a:latin typeface="Linux Libertine Display G"/>
                 <a:ea typeface="DejaVu Sans"/>
               </a:rPr>
-              <a:t>$ git status</a:t>
+              <a:t>$ git log</a:t>
             </a:r>
             <a:endParaRPr b="0" lang="ru-RU" sz="2400" spc="-1" strike="noStrike">
               <a:latin typeface="Arial"/>
             </a:endParaRPr>
           </a:p>
           <a:p>
-            <a:pPr marL="432000" indent="-322920">
+            <a:pPr marL="432000" indent="-322560">
               <a:lnSpc>
                 <a:spcPct val="100000"/>
               </a:lnSpc>
@@ -6285,26 +6162,16 @@
                   <a:srgbClr val="000000"/>
                 </a:solidFill>
                 <a:latin typeface="Times New Roman"/>
-                <a:ea typeface="Microsoft YaHei"/>
-              </a:rPr>
-              <a:t>Добавить изменения в </a:t>
-            </a:r>
-            <a:r>
-              <a:rPr b="1" lang="ru-RU" sz="2400" spc="-1" strike="noStrike">
-                <a:solidFill>
-                  <a:srgbClr val="000000"/>
-                </a:solidFill>
-                <a:latin typeface="Times New Roman"/>
-                <a:ea typeface="Microsoft YaHei"/>
-              </a:rPr>
-              <a:t>stage:</a:t>
+                <a:ea typeface="DejaVu Sans"/>
+              </a:rPr>
+              <a:t>Одним из самых полезных аргументов является -p или --patch, который показывает разницу (выводит патч), внесенную в каждый коммит</a:t>
             </a:r>
             <a:endParaRPr b="0" lang="ru-RU" sz="2400" spc="-1" strike="noStrike">
               <a:latin typeface="Arial"/>
             </a:endParaRPr>
           </a:p>
           <a:p>
-            <a:pPr lvl="1" marL="864000" indent="-322920">
+            <a:pPr lvl="1" marL="864000" indent="-322560">
               <a:lnSpc>
                 <a:spcPct val="100000"/>
               </a:lnSpc>
@@ -6324,36 +6191,128 @@
                   <a:srgbClr val="2a6099"/>
                 </a:solidFill>
                 <a:latin typeface="Linux Libertine Display G"/>
-                <a:ea typeface="Microsoft YaHei"/>
-              </a:rPr>
-              <a:t>$ git add test.cpp </a:t>
-            </a:r>
-            <a:r>
-              <a:rPr b="0" lang="ru-RU" sz="2400" spc="-1" strike="noStrike">
-                <a:solidFill>
-                  <a:srgbClr val="000000"/>
-                </a:solidFill>
-                <a:latin typeface="Linux Libertine Display G"/>
-                <a:ea typeface="Microsoft YaHei"/>
-              </a:rPr>
-              <a:t>или </a:t>
-            </a:r>
-            <a:r>
-              <a:rPr b="0" lang="ru-RU" sz="2400" spc="-1" strike="noStrike">
-                <a:solidFill>
-                  <a:srgbClr val="2a6099"/>
-                </a:solidFill>
-                <a:latin typeface="Linux Libertine Display G"/>
-                <a:ea typeface="Microsoft YaHei"/>
-              </a:rPr>
-              <a:t>$ git add .</a:t>
+                <a:ea typeface="DejaVu Sans"/>
+              </a:rPr>
+              <a:t>$ git log -p -2</a:t>
             </a:r>
             <a:endParaRPr b="0" lang="ru-RU" sz="2400" spc="-1" strike="noStrike">
               <a:latin typeface="Arial"/>
             </a:endParaRPr>
           </a:p>
-          <a:p>
-            <a:pPr marL="432000" indent="-322920">
+        </p:txBody>
+      </p:sp>
+    </p:spTree>
+  </p:cSld>
+  <mc:AlternateContent>
+    <mc:Choice Requires="p14">
+      <p:transition spd="slow" p14:dur="2000"/>
+    </mc:Choice>
+    <mc:Fallback>
+      <p:transition spd="slow"/>
+    </mc:Fallback>
+  </mc:AlternateContent>
+</p:sld>
+</file>
+
+<file path=ppt/slides/slide22.xml><?xml version="1.0" encoding="utf-8"?>
+<p:sld xmlns:a="http://schemas.openxmlformats.org/drawingml/2006/main" xmlns:p="http://schemas.openxmlformats.org/presentationml/2006/main" xmlns:r="http://schemas.openxmlformats.org/officeDocument/2006/relationships" xmlns:p14="http://schemas.microsoft.com/office/powerpoint/2010/main" xmlns:p15="http://schemas.microsoft.com/office/powerpoint/2012/main" xmlns:mc="http://schemas.openxmlformats.org/markup-compatibility/2006">
+  <p:cSld>
+    <p:spTree>
+      <p:nvGrpSpPr>
+        <p:cNvPr id="1" name=""/>
+        <p:cNvGrpSpPr/>
+        <p:nvPr/>
+      </p:nvGrpSpPr>
+      <p:grpSpPr>
+        <a:xfrm>
+          <a:off x="0" y="0"/>
+          <a:ext cx="0" cy="0"/>
+          <a:chOff x="0" y="0"/>
+          <a:chExt cx="0" cy="0"/>
+        </a:xfrm>
+      </p:grpSpPr>
+      <p:sp>
+        <p:nvSpPr>
+          <p:cNvPr id="121" name="CustomShape 1"/>
+          <p:cNvSpPr/>
+          <p:nvPr/>
+        </p:nvSpPr>
+        <p:spPr>
+          <a:xfrm>
+            <a:off x="504000" y="226080"/>
+            <a:ext cx="9070200" cy="945000"/>
+          </a:xfrm>
+          <a:prstGeom prst="rect">
+            <a:avLst/>
+          </a:prstGeom>
+          <a:noFill/>
+          <a:ln w="0">
+            <a:noFill/>
+          </a:ln>
+        </p:spPr>
+        <p:style>
+          <a:lnRef idx="0"/>
+          <a:fillRef idx="0"/>
+          <a:effectRef idx="0"/>
+          <a:fontRef idx="minor"/>
+        </p:style>
+        <p:txBody>
+          <a:bodyPr lIns="0" rIns="0" tIns="0" bIns="0" anchor="ctr">
+            <a:noAutofit/>
+          </a:bodyPr>
+          <a:p>
+            <a:pPr algn="ctr">
+              <a:lnSpc>
+                <a:spcPct val="100000"/>
+              </a:lnSpc>
+            </a:pPr>
+            <a:r>
+              <a:rPr b="0" lang="en-US" sz="4400" spc="-1" strike="noStrike">
+                <a:solidFill>
+                  <a:srgbClr val="000000"/>
+                </a:solidFill>
+                <a:latin typeface="Times New Roman"/>
+                <a:ea typeface="DejaVu Sans"/>
+              </a:rPr>
+              <a:t>Основные операции</a:t>
+            </a:r>
+            <a:endParaRPr b="0" lang="ru-RU" sz="4400" spc="-1" strike="noStrike">
+              <a:latin typeface="Arial"/>
+            </a:endParaRPr>
+          </a:p>
+        </p:txBody>
+      </p:sp>
+      <p:sp>
+        <p:nvSpPr>
+          <p:cNvPr id="122" name="CustomShape 2"/>
+          <p:cNvSpPr/>
+          <p:nvPr/>
+        </p:nvSpPr>
+        <p:spPr>
+          <a:xfrm>
+            <a:off x="640080" y="1326600"/>
+            <a:ext cx="9070200" cy="3975480"/>
+          </a:xfrm>
+          <a:prstGeom prst="rect">
+            <a:avLst/>
+          </a:prstGeom>
+          <a:noFill/>
+          <a:ln w="0">
+            <a:noFill/>
+          </a:ln>
+        </p:spPr>
+        <p:style>
+          <a:lnRef idx="0"/>
+          <a:fillRef idx="0"/>
+          <a:effectRef idx="0"/>
+          <a:fontRef idx="minor"/>
+        </p:style>
+        <p:txBody>
+          <a:bodyPr lIns="0" rIns="0" tIns="0" bIns="0">
+            <a:normAutofit fontScale="66000"/>
+          </a:bodyPr>
+          <a:p>
+            <a:pPr marL="432000" indent="-322560">
               <a:lnSpc>
                 <a:spcPct val="100000"/>
               </a:lnSpc>
@@ -6373,16 +6332,16 @@
                   <a:srgbClr val="000000"/>
                 </a:solidFill>
                 <a:latin typeface="Times New Roman"/>
-                <a:ea typeface="Microsoft YaHei"/>
-              </a:rPr>
-              <a:t>Сделать коммит в локальный репозиторий:</a:t>
+                <a:ea typeface="DejaVu Sans"/>
+              </a:rPr>
+              <a:t>Были сделали изменения в файле test.cpp. Проверить статус:</a:t>
             </a:r>
             <a:endParaRPr b="0" lang="ru-RU" sz="2400" spc="-1" strike="noStrike">
               <a:latin typeface="Arial"/>
             </a:endParaRPr>
           </a:p>
           <a:p>
-            <a:pPr lvl="1" marL="864000" indent="-322920">
+            <a:pPr lvl="1" marL="864000" indent="-322560">
               <a:lnSpc>
                 <a:spcPct val="100000"/>
               </a:lnSpc>
@@ -6402,16 +6361,16 @@
                   <a:srgbClr val="2a6099"/>
                 </a:solidFill>
                 <a:latin typeface="Linux Libertine Display G"/>
-                <a:ea typeface="Microsoft YaHei"/>
-              </a:rPr>
-              <a:t>$ git commit -m “my first commit”</a:t>
+                <a:ea typeface="DejaVu Sans"/>
+              </a:rPr>
+              <a:t>$ git status</a:t>
             </a:r>
             <a:endParaRPr b="0" lang="ru-RU" sz="2400" spc="-1" strike="noStrike">
               <a:latin typeface="Arial"/>
             </a:endParaRPr>
           </a:p>
           <a:p>
-            <a:pPr marL="432000" indent="-322920">
+            <a:pPr marL="432000" indent="-322560">
               <a:lnSpc>
                 <a:spcPct val="100000"/>
               </a:lnSpc>
@@ -6433,14 +6392,24 @@
                 <a:latin typeface="Times New Roman"/>
                 <a:ea typeface="Microsoft YaHei"/>
               </a:rPr>
-              <a:t>Проверить изменения с удаленного репозитория и добавит в локальный:</a:t>
+              <a:t>Добавить изменения в </a:t>
+            </a:r>
+            <a:r>
+              <a:rPr b="1" lang="ru-RU" sz="2400" spc="-1" strike="noStrike">
+                <a:solidFill>
+                  <a:srgbClr val="000000"/>
+                </a:solidFill>
+                <a:latin typeface="Times New Roman"/>
+                <a:ea typeface="Microsoft YaHei"/>
+              </a:rPr>
+              <a:t>stage:</a:t>
             </a:r>
             <a:endParaRPr b="0" lang="ru-RU" sz="2400" spc="-1" strike="noStrike">
               <a:latin typeface="Arial"/>
             </a:endParaRPr>
           </a:p>
           <a:p>
-            <a:pPr lvl="1" marL="864000" indent="-322920">
+            <a:pPr lvl="1" marL="864000" indent="-322560">
               <a:lnSpc>
                 <a:spcPct val="100000"/>
               </a:lnSpc>
@@ -6462,14 +6431,34 @@
                 <a:latin typeface="Linux Libertine Display G"/>
                 <a:ea typeface="Microsoft YaHei"/>
               </a:rPr>
-              <a:t>$ git pull</a:t>
+              <a:t>$ git add test.cpp </a:t>
+            </a:r>
+            <a:r>
+              <a:rPr b="0" lang="ru-RU" sz="2400" spc="-1" strike="noStrike">
+                <a:solidFill>
+                  <a:srgbClr val="000000"/>
+                </a:solidFill>
+                <a:latin typeface="Linux Libertine Display G"/>
+                <a:ea typeface="Microsoft YaHei"/>
+              </a:rPr>
+              <a:t>или </a:t>
+            </a:r>
+            <a:r>
+              <a:rPr b="0" lang="ru-RU" sz="2400" spc="-1" strike="noStrike">
+                <a:solidFill>
+                  <a:srgbClr val="2a6099"/>
+                </a:solidFill>
+                <a:latin typeface="Linux Libertine Display G"/>
+                <a:ea typeface="Microsoft YaHei"/>
+              </a:rPr>
+              <a:t>$ git add .</a:t>
             </a:r>
             <a:endParaRPr b="0" lang="ru-RU" sz="2400" spc="-1" strike="noStrike">
               <a:latin typeface="Arial"/>
             </a:endParaRPr>
           </a:p>
           <a:p>
-            <a:pPr marL="432000" indent="-322920">
+            <a:pPr marL="432000" indent="-322560">
               <a:lnSpc>
                 <a:spcPct val="100000"/>
               </a:lnSpc>
@@ -6491,6 +6480,122 @@
                 <a:latin typeface="Times New Roman"/>
                 <a:ea typeface="Microsoft YaHei"/>
               </a:rPr>
+              <a:t>Сделать коммит в локальный репозиторий:</a:t>
+            </a:r>
+            <a:endParaRPr b="0" lang="ru-RU" sz="2400" spc="-1" strike="noStrike">
+              <a:latin typeface="Arial"/>
+            </a:endParaRPr>
+          </a:p>
+          <a:p>
+            <a:pPr lvl="1" marL="864000" indent="-322560">
+              <a:lnSpc>
+                <a:spcPct val="100000"/>
+              </a:lnSpc>
+              <a:spcBef>
+                <a:spcPts val="1134"/>
+              </a:spcBef>
+              <a:buClr>
+                <a:srgbClr val="000000"/>
+              </a:buClr>
+              <a:buSzPct val="75000"/>
+              <a:buFont typeface="Symbol"/>
+              <a:buChar char=""/>
+            </a:pPr>
+            <a:r>
+              <a:rPr b="0" lang="ru-RU" sz="2400" spc="-1" strike="noStrike">
+                <a:solidFill>
+                  <a:srgbClr val="2a6099"/>
+                </a:solidFill>
+                <a:latin typeface="Linux Libertine Display G"/>
+                <a:ea typeface="Microsoft YaHei"/>
+              </a:rPr>
+              <a:t>$ git commit -m “my first commit”</a:t>
+            </a:r>
+            <a:endParaRPr b="0" lang="ru-RU" sz="2400" spc="-1" strike="noStrike">
+              <a:latin typeface="Arial"/>
+            </a:endParaRPr>
+          </a:p>
+          <a:p>
+            <a:pPr marL="432000" indent="-322560">
+              <a:lnSpc>
+                <a:spcPct val="100000"/>
+              </a:lnSpc>
+              <a:spcBef>
+                <a:spcPts val="1417"/>
+              </a:spcBef>
+              <a:buClr>
+                <a:srgbClr val="000000"/>
+              </a:buClr>
+              <a:buSzPct val="45000"/>
+              <a:buFont typeface="Wingdings" charset="2"/>
+              <a:buChar char=""/>
+            </a:pPr>
+            <a:r>
+              <a:rPr b="0" lang="ru-RU" sz="2400" spc="-1" strike="noStrike">
+                <a:solidFill>
+                  <a:srgbClr val="000000"/>
+                </a:solidFill>
+                <a:latin typeface="Times New Roman"/>
+                <a:ea typeface="Microsoft YaHei"/>
+              </a:rPr>
+              <a:t>Проверить изменения с удаленного репозитория и добавит в локальный:</a:t>
+            </a:r>
+            <a:endParaRPr b="0" lang="ru-RU" sz="2400" spc="-1" strike="noStrike">
+              <a:latin typeface="Arial"/>
+            </a:endParaRPr>
+          </a:p>
+          <a:p>
+            <a:pPr lvl="1" marL="864000" indent="-322560">
+              <a:lnSpc>
+                <a:spcPct val="100000"/>
+              </a:lnSpc>
+              <a:spcBef>
+                <a:spcPts val="1134"/>
+              </a:spcBef>
+              <a:buClr>
+                <a:srgbClr val="000000"/>
+              </a:buClr>
+              <a:buSzPct val="75000"/>
+              <a:buFont typeface="Symbol"/>
+              <a:buChar char=""/>
+            </a:pPr>
+            <a:r>
+              <a:rPr b="0" lang="ru-RU" sz="2400" spc="-1" strike="noStrike">
+                <a:solidFill>
+                  <a:srgbClr val="2a6099"/>
+                </a:solidFill>
+                <a:latin typeface="Linux Libertine Display G"/>
+                <a:ea typeface="Microsoft YaHei"/>
+              </a:rPr>
+              <a:t>$ git pull</a:t>
+            </a:r>
+            <a:endParaRPr b="0" lang="ru-RU" sz="2400" spc="-1" strike="noStrike">
+              <a:latin typeface="Arial"/>
+            </a:endParaRPr>
+          </a:p>
+          <a:p>
+            <a:pPr marL="432000" indent="-322560">
+              <a:lnSpc>
+                <a:spcPct val="100000"/>
+              </a:lnSpc>
+              <a:spcBef>
+                <a:spcPts val="1417"/>
+              </a:spcBef>
+              <a:buClr>
+                <a:srgbClr val="000000"/>
+              </a:buClr>
+              <a:buSzPct val="45000"/>
+              <a:buFont typeface="Wingdings" charset="2"/>
+              <a:buChar char=""/>
+            </a:pPr>
+            <a:r>
+              <a:rPr b="0" lang="ru-RU" sz="2400" spc="-1" strike="noStrike">
+                <a:solidFill>
+                  <a:srgbClr val="000000"/>
+                </a:solidFill>
+                <a:latin typeface="Times New Roman"/>
+                <a:ea typeface="Microsoft YaHei"/>
+              </a:rPr>
               <a:t>Добавить изменения в удаленный репозиторий:</a:t>
             </a:r>
             <a:endParaRPr b="0" lang="ru-RU" sz="2400" spc="-1" strike="noStrike">
@@ -6498,7 +6603,7 @@
             </a:endParaRPr>
           </a:p>
           <a:p>
-            <a:pPr lvl="1" marL="864000" indent="-322920">
+            <a:pPr lvl="1" marL="864000" indent="-322560">
               <a:lnSpc>
                 <a:spcPct val="100000"/>
               </a:lnSpc>
@@ -6567,7 +6672,7 @@
         <p:spPr>
           <a:xfrm>
             <a:off x="504000" y="226080"/>
-            <a:ext cx="9070560" cy="945360"/>
+            <a:ext cx="9070200" cy="945000"/>
           </a:xfrm>
           <a:prstGeom prst="rect">
             <a:avLst/>
@@ -6613,7 +6718,7 @@
               </a:rPr>
               <a:t>VCS</a:t>
             </a:r>
-            <a:endParaRPr b="1" lang="ru-RU" sz="4400" spc="-1" strike="noStrike">
+            <a:endParaRPr b="0" lang="ru-RU" sz="4400" spc="-1" strike="noStrike">
               <a:latin typeface="Arial"/>
             </a:endParaRPr>
           </a:p>
@@ -6632,7 +6737,7 @@
         <p:spPr>
           <a:xfrm>
             <a:off x="2377440" y="1280160"/>
-            <a:ext cx="5297040" cy="3653280"/>
+            <a:ext cx="5296680" cy="3652920"/>
           </a:xfrm>
           <a:prstGeom prst="rect">
             <a:avLst/>
@@ -6651,7 +6756,7 @@
         <p:spPr>
           <a:xfrm>
             <a:off x="3313800" y="5120640"/>
-            <a:ext cx="3908880" cy="595440"/>
+            <a:ext cx="3908520" cy="595080"/>
           </a:xfrm>
           <a:prstGeom prst="rect">
             <a:avLst/>
@@ -6732,7 +6837,7 @@
         <p:spPr>
           <a:xfrm>
             <a:off x="504000" y="226080"/>
-            <a:ext cx="9070560" cy="945360"/>
+            <a:ext cx="9070200" cy="945000"/>
           </a:xfrm>
           <a:prstGeom prst="rect">
             <a:avLst/>
@@ -6793,7 +6898,7 @@
         <p:spPr>
           <a:xfrm>
             <a:off x="914400" y="1463040"/>
-            <a:ext cx="7516080" cy="3378600"/>
+            <a:ext cx="7515720" cy="3378240"/>
           </a:xfrm>
           <a:prstGeom prst="rect">
             <a:avLst/>
@@ -6814,7 +6919,7 @@
             <a:normAutofit fontScale="81000"/>
           </a:bodyPr>
           <a:p>
-            <a:pPr marL="216000" indent="-214920">
+            <a:pPr marL="216000" indent="-214560">
               <a:lnSpc>
                 <a:spcPct val="100000"/>
               </a:lnSpc>
@@ -6840,7 +6945,7 @@
             </a:endParaRPr>
           </a:p>
           <a:p>
-            <a:pPr lvl="1" marL="432000" indent="-214920">
+            <a:pPr lvl="1" marL="432000" indent="-214560">
               <a:lnSpc>
                 <a:spcPct val="100000"/>
               </a:lnSpc>
@@ -6869,7 +6974,7 @@
             </a:endParaRPr>
           </a:p>
           <a:p>
-            <a:pPr lvl="1" marL="432000" indent="-214920">
+            <a:pPr lvl="1" marL="432000" indent="-214560">
               <a:lnSpc>
                 <a:spcPct val="100000"/>
               </a:lnSpc>
@@ -6908,7 +7013,7 @@
             </a:endParaRPr>
           </a:p>
           <a:p>
-            <a:pPr lvl="1" marL="432000" indent="-214920">
+            <a:pPr lvl="1" marL="432000" indent="-214560">
               <a:lnSpc>
                 <a:spcPct val="100000"/>
               </a:lnSpc>
@@ -6950,7 +7055,7 @@
             </a:endParaRPr>
           </a:p>
           <a:p>
-            <a:pPr marL="216000" indent="-214920">
+            <a:pPr marL="216000" indent="-214560">
               <a:lnSpc>
                 <a:spcPct val="100000"/>
               </a:lnSpc>
@@ -6976,7 +7081,7 @@
             </a:endParaRPr>
           </a:p>
           <a:p>
-            <a:pPr lvl="1" marL="432000" indent="-214920">
+            <a:pPr lvl="1" marL="432000" indent="-214560">
               <a:lnSpc>
                 <a:spcPct val="100000"/>
               </a:lnSpc>
@@ -7005,7 +7110,7 @@
             </a:endParaRPr>
           </a:p>
           <a:p>
-            <a:pPr lvl="1" marL="432000" indent="-214920">
+            <a:pPr lvl="1" marL="432000" indent="-214560">
               <a:lnSpc>
                 <a:spcPct val="100000"/>
               </a:lnSpc>
@@ -7034,7 +7139,7 @@
             </a:endParaRPr>
           </a:p>
           <a:p>
-            <a:pPr lvl="1" marL="432000" indent="-214920">
+            <a:pPr lvl="1" marL="432000" indent="-214560">
               <a:lnSpc>
                 <a:spcPct val="100000"/>
               </a:lnSpc>
@@ -7063,7 +7168,7 @@
             </a:endParaRPr>
           </a:p>
           <a:p>
-            <a:pPr lvl="1" marL="432000" indent="-214920">
+            <a:pPr lvl="1" marL="432000" indent="-214560">
               <a:lnSpc>
                 <a:spcPct val="100000"/>
               </a:lnSpc>
@@ -7132,7 +7237,7 @@
         <p:spPr>
           <a:xfrm>
             <a:off x="504000" y="226080"/>
-            <a:ext cx="9070560" cy="945360"/>
+            <a:ext cx="9070200" cy="945000"/>
           </a:xfrm>
           <a:prstGeom prst="rect">
             <a:avLst/>
@@ -7178,7 +7283,7 @@
               </a:rPr>
               <a:t>VCS</a:t>
             </a:r>
-            <a:endParaRPr b="1" lang="ru-RU" sz="4400" spc="-1" strike="noStrike">
+            <a:endParaRPr b="0" lang="ru-RU" sz="4400" spc="-1" strike="noStrike">
               <a:latin typeface="Arial"/>
             </a:endParaRPr>
           </a:p>
@@ -7197,7 +7302,7 @@
         <p:spPr>
           <a:xfrm>
             <a:off x="1828800" y="1099440"/>
-            <a:ext cx="6765480" cy="4020120"/>
+            <a:ext cx="6765120" cy="4019760"/>
           </a:xfrm>
           <a:prstGeom prst="rect">
             <a:avLst/>
@@ -7216,7 +7321,7 @@
         <p:spPr>
           <a:xfrm>
             <a:off x="3657600" y="5113080"/>
-            <a:ext cx="3927960" cy="601200"/>
+            <a:ext cx="3927600" cy="600840"/>
           </a:xfrm>
           <a:prstGeom prst="rect">
             <a:avLst/>
@@ -7297,7 +7402,7 @@
         <p:spPr>
           <a:xfrm>
             <a:off x="504000" y="226080"/>
-            <a:ext cx="9070560" cy="945360"/>
+            <a:ext cx="9070200" cy="945000"/>
           </a:xfrm>
           <a:prstGeom prst="rect">
             <a:avLst/>
@@ -7358,7 +7463,7 @@
         <p:spPr>
           <a:xfrm>
             <a:off x="822960" y="1463040"/>
-            <a:ext cx="9051480" cy="4022280"/>
+            <a:ext cx="9051120" cy="4021920"/>
           </a:xfrm>
           <a:prstGeom prst="rect">
             <a:avLst/>
@@ -7379,7 +7484,7 @@
             <a:normAutofit/>
           </a:bodyPr>
           <a:p>
-            <a:pPr marL="432000" indent="-322920">
+            <a:pPr marL="432000" indent="-322560">
               <a:lnSpc>
                 <a:spcPct val="100000"/>
               </a:lnSpc>
@@ -7408,7 +7513,7 @@
             </a:endParaRPr>
           </a:p>
           <a:p>
-            <a:pPr lvl="1" marL="864000" indent="-322920">
+            <a:pPr lvl="1" marL="864000" indent="-322560">
               <a:lnSpc>
                 <a:spcPct val="100000"/>
               </a:lnSpc>
@@ -7437,7 +7542,7 @@
             </a:endParaRPr>
           </a:p>
           <a:p>
-            <a:pPr lvl="1" marL="864000" indent="-322920">
+            <a:pPr lvl="1" marL="864000" indent="-322560">
               <a:lnSpc>
                 <a:spcPct val="100000"/>
               </a:lnSpc>
@@ -7466,7 +7571,7 @@
             </a:endParaRPr>
           </a:p>
           <a:p>
-            <a:pPr lvl="1" marL="864000" indent="-322920">
+            <a:pPr lvl="1" marL="864000" indent="-322560">
               <a:lnSpc>
                 <a:spcPct val="100000"/>
               </a:lnSpc>
@@ -7495,7 +7600,7 @@
             </a:endParaRPr>
           </a:p>
           <a:p>
-            <a:pPr lvl="1" marL="864000" indent="-322920">
+            <a:pPr lvl="1" marL="864000" indent="-322560">
               <a:lnSpc>
                 <a:spcPct val="100000"/>
               </a:lnSpc>
@@ -7524,7 +7629,7 @@
             </a:endParaRPr>
           </a:p>
           <a:p>
-            <a:pPr lvl="1" marL="864000" indent="-322920">
+            <a:pPr lvl="1" marL="864000" indent="-322560">
               <a:lnSpc>
                 <a:spcPct val="100000"/>
               </a:lnSpc>
@@ -7613,7 +7718,7 @@
             </a:endParaRPr>
           </a:p>
           <a:p>
-            <a:pPr marL="432000" indent="-322920">
+            <a:pPr marL="432000" indent="-322560">
               <a:lnSpc>
                 <a:spcPct val="100000"/>
               </a:lnSpc>
@@ -7642,7 +7747,7 @@
             </a:endParaRPr>
           </a:p>
           <a:p>
-            <a:pPr lvl="1" marL="864000" indent="-322920">
+            <a:pPr lvl="1" marL="864000" indent="-322560">
               <a:lnSpc>
                 <a:spcPct val="100000"/>
               </a:lnSpc>
@@ -7671,7 +7776,7 @@
             </a:endParaRPr>
           </a:p>
           <a:p>
-            <a:pPr lvl="1" marL="864000" indent="-322920">
+            <a:pPr lvl="1" marL="864000" indent="-322560">
               <a:lnSpc>
                 <a:spcPct val="100000"/>
               </a:lnSpc>
@@ -7700,7 +7805,7 @@
             </a:endParaRPr>
           </a:p>
           <a:p>
-            <a:pPr lvl="1" marL="864000" indent="-322920">
+            <a:pPr lvl="1" marL="864000" indent="-322560">
               <a:lnSpc>
                 <a:spcPct val="100000"/>
               </a:lnSpc>
@@ -7769,7 +7874,7 @@
         <p:spPr>
           <a:xfrm>
             <a:off x="504000" y="226080"/>
-            <a:ext cx="9070560" cy="945360"/>
+            <a:ext cx="9070200" cy="945000"/>
           </a:xfrm>
           <a:prstGeom prst="rect">
             <a:avLst/>
@@ -7805,7 +7910,7 @@
               </a:rPr>
               <a:t>Знакомство с Git</a:t>
             </a:r>
-            <a:endParaRPr b="1" lang="ru-RU" sz="4400" spc="-1" strike="noStrike">
+            <a:endParaRPr b="0" lang="ru-RU" sz="4400" spc="-1" strike="noStrike">
               <a:latin typeface="Arial"/>
             </a:endParaRPr>
           </a:p>
@@ -7820,7 +7925,7 @@
         <p:spPr>
           <a:xfrm>
             <a:off x="822960" y="1371600"/>
-            <a:ext cx="8502840" cy="3561480"/>
+            <a:ext cx="8502480" cy="3561120"/>
           </a:xfrm>
           <a:prstGeom prst="rect">
             <a:avLst/>
@@ -7895,7 +8000,7 @@
         <p:spPr>
           <a:xfrm>
             <a:off x="512280" y="3189240"/>
-            <a:ext cx="9114120" cy="2113200"/>
+            <a:ext cx="9113760" cy="2112840"/>
           </a:xfrm>
           <a:prstGeom prst="rect">
             <a:avLst/>
@@ -7944,7 +8049,7 @@
         <p:spPr>
           <a:xfrm>
             <a:off x="504000" y="226080"/>
-            <a:ext cx="9070560" cy="945360"/>
+            <a:ext cx="9070200" cy="945000"/>
           </a:xfrm>
           <a:prstGeom prst="rect">
             <a:avLst/>
@@ -7995,7 +8100,7 @@
         <p:spPr>
           <a:xfrm>
             <a:off x="504000" y="1326600"/>
-            <a:ext cx="9070560" cy="3287160"/>
+            <a:ext cx="9070200" cy="3286800"/>
           </a:xfrm>
           <a:prstGeom prst="rect">
             <a:avLst/>
@@ -8126,7 +8231,7 @@
         <p:spPr>
           <a:xfrm>
             <a:off x="504000" y="226080"/>
-            <a:ext cx="9070560" cy="945360"/>
+            <a:ext cx="9070200" cy="945000"/>
           </a:xfrm>
           <a:prstGeom prst="rect">
             <a:avLst/>
@@ -8181,7 +8286,7 @@
         <p:spPr>
           <a:xfrm>
             <a:off x="1097280" y="1737360"/>
-            <a:ext cx="7862760" cy="3046320"/>
+            <a:ext cx="7862400" cy="3045960"/>
           </a:xfrm>
           <a:prstGeom prst="rect">
             <a:avLst/>
